--- a/Resources/Images/Figuras.pptx
+++ b/Resources/Images/Figuras.pptx
@@ -11,6 +11,9 @@
     <p:sldId id="259" r:id="rId5"/>
     <p:sldId id="260" r:id="rId6"/>
     <p:sldId id="261" r:id="rId7"/>
+    <p:sldId id="262" r:id="rId8"/>
+    <p:sldId id="264" r:id="rId9"/>
+    <p:sldId id="263" r:id="rId10"/>
   </p:sldIdLst>
   <p:sldSz cx="12192000" cy="6858000"/>
   <p:notesSz cx="6858000" cy="9144000"/>
@@ -259,7 +262,7 @@
           <a:p>
             <a:fld id="{1C4A350A-2E69-4F0B-AF0D-60E80FEC2B7F}" type="datetimeFigureOut">
               <a:rPr lang="pt-BR" smtClean="0"/>
-              <a:t>28/05/2016</a:t>
+              <a:t>29/05/2016</a:t>
             </a:fld>
             <a:endParaRPr lang="pt-BR"/>
           </a:p>
@@ -429,7 +432,7 @@
           <a:p>
             <a:fld id="{1C4A350A-2E69-4F0B-AF0D-60E80FEC2B7F}" type="datetimeFigureOut">
               <a:rPr lang="pt-BR" smtClean="0"/>
-              <a:t>28/05/2016</a:t>
+              <a:t>29/05/2016</a:t>
             </a:fld>
             <a:endParaRPr lang="pt-BR"/>
           </a:p>
@@ -609,7 +612,7 @@
           <a:p>
             <a:fld id="{1C4A350A-2E69-4F0B-AF0D-60E80FEC2B7F}" type="datetimeFigureOut">
               <a:rPr lang="pt-BR" smtClean="0"/>
-              <a:t>28/05/2016</a:t>
+              <a:t>29/05/2016</a:t>
             </a:fld>
             <a:endParaRPr lang="pt-BR"/>
           </a:p>
@@ -779,7 +782,7 @@
           <a:p>
             <a:fld id="{1C4A350A-2E69-4F0B-AF0D-60E80FEC2B7F}" type="datetimeFigureOut">
               <a:rPr lang="pt-BR" smtClean="0"/>
-              <a:t>28/05/2016</a:t>
+              <a:t>29/05/2016</a:t>
             </a:fld>
             <a:endParaRPr lang="pt-BR"/>
           </a:p>
@@ -1025,7 +1028,7 @@
           <a:p>
             <a:fld id="{1C4A350A-2E69-4F0B-AF0D-60E80FEC2B7F}" type="datetimeFigureOut">
               <a:rPr lang="pt-BR" smtClean="0"/>
-              <a:t>28/05/2016</a:t>
+              <a:t>29/05/2016</a:t>
             </a:fld>
             <a:endParaRPr lang="pt-BR"/>
           </a:p>
@@ -1257,7 +1260,7 @@
           <a:p>
             <a:fld id="{1C4A350A-2E69-4F0B-AF0D-60E80FEC2B7F}" type="datetimeFigureOut">
               <a:rPr lang="pt-BR" smtClean="0"/>
-              <a:t>28/05/2016</a:t>
+              <a:t>29/05/2016</a:t>
             </a:fld>
             <a:endParaRPr lang="pt-BR"/>
           </a:p>
@@ -1624,7 +1627,7 @@
           <a:p>
             <a:fld id="{1C4A350A-2E69-4F0B-AF0D-60E80FEC2B7F}" type="datetimeFigureOut">
               <a:rPr lang="pt-BR" smtClean="0"/>
-              <a:t>28/05/2016</a:t>
+              <a:t>29/05/2016</a:t>
             </a:fld>
             <a:endParaRPr lang="pt-BR"/>
           </a:p>
@@ -1742,7 +1745,7 @@
           <a:p>
             <a:fld id="{1C4A350A-2E69-4F0B-AF0D-60E80FEC2B7F}" type="datetimeFigureOut">
               <a:rPr lang="pt-BR" smtClean="0"/>
-              <a:t>28/05/2016</a:t>
+              <a:t>29/05/2016</a:t>
             </a:fld>
             <a:endParaRPr lang="pt-BR"/>
           </a:p>
@@ -1837,7 +1840,7 @@
           <a:p>
             <a:fld id="{1C4A350A-2E69-4F0B-AF0D-60E80FEC2B7F}" type="datetimeFigureOut">
               <a:rPr lang="pt-BR" smtClean="0"/>
-              <a:t>28/05/2016</a:t>
+              <a:t>29/05/2016</a:t>
             </a:fld>
             <a:endParaRPr lang="pt-BR"/>
           </a:p>
@@ -2114,7 +2117,7 @@
           <a:p>
             <a:fld id="{1C4A350A-2E69-4F0B-AF0D-60E80FEC2B7F}" type="datetimeFigureOut">
               <a:rPr lang="pt-BR" smtClean="0"/>
-              <a:t>28/05/2016</a:t>
+              <a:t>29/05/2016</a:t>
             </a:fld>
             <a:endParaRPr lang="pt-BR"/>
           </a:p>
@@ -2367,7 +2370,7 @@
           <a:p>
             <a:fld id="{1C4A350A-2E69-4F0B-AF0D-60E80FEC2B7F}" type="datetimeFigureOut">
               <a:rPr lang="pt-BR" smtClean="0"/>
-              <a:t>28/05/2016</a:t>
+              <a:t>29/05/2016</a:t>
             </a:fld>
             <a:endParaRPr lang="pt-BR"/>
           </a:p>
@@ -2580,7 +2583,7 @@
           <a:p>
             <a:fld id="{1C4A350A-2E69-4F0B-AF0D-60E80FEC2B7F}" type="datetimeFigureOut">
               <a:rPr lang="pt-BR" smtClean="0"/>
-              <a:t>28/05/2016</a:t>
+              <a:t>29/05/2016</a:t>
             </a:fld>
             <a:endParaRPr lang="pt-BR"/>
           </a:p>
@@ -8376,6 +8379,36 @@
           </a:p>
         </p:txBody>
       </p:sp>
+      <p:sp>
+        <p:nvSpPr>
+          <p:cNvPr id="2" name="CaixaDeTexto 1"/>
+          <p:cNvSpPr txBox="1"/>
+          <p:nvPr/>
+        </p:nvSpPr>
+        <p:spPr>
+          <a:xfrm>
+            <a:off x="1225755" y="5997408"/>
+            <a:ext cx="7075720" cy="369332"/>
+          </a:xfrm>
+          <a:prstGeom prst="rect">
+            <a:avLst/>
+          </a:prstGeom>
+          <a:noFill/>
+        </p:spPr>
+        <p:txBody>
+          <a:bodyPr wrap="none" rtlCol="0">
+            <a:spAutoFit/>
+          </a:bodyPr>
+          <a:lstStyle/>
+          <a:p>
+            <a:r>
+              <a:rPr lang="pt-BR" dirty="0" smtClean="0"/>
+              <a:t>Cadeia de medidas proposta – Células de carga comercial e não comercial</a:t>
+            </a:r>
+            <a:endParaRPr lang="pt-BR" dirty="0"/>
+          </a:p>
+        </p:txBody>
+      </p:sp>
     </p:spTree>
     <p:extLst>
       <p:ext uri="{BB962C8B-B14F-4D97-AF65-F5344CB8AC3E}">
@@ -9094,10 +9127,4278 @@
           </a:p>
         </p:txBody>
       </p:sp>
+      <p:sp>
+        <p:nvSpPr>
+          <p:cNvPr id="21" name="CaixaDeTexto 20"/>
+          <p:cNvSpPr txBox="1"/>
+          <p:nvPr/>
+        </p:nvSpPr>
+        <p:spPr>
+          <a:xfrm>
+            <a:off x="1225755" y="5997408"/>
+            <a:ext cx="4229812" cy="369332"/>
+          </a:xfrm>
+          <a:prstGeom prst="rect">
+            <a:avLst/>
+          </a:prstGeom>
+          <a:noFill/>
+        </p:spPr>
+        <p:txBody>
+          <a:bodyPr wrap="none" rtlCol="0">
+            <a:spAutoFit/>
+          </a:bodyPr>
+          <a:lstStyle/>
+          <a:p>
+            <a:r>
+              <a:rPr lang="pt-BR" dirty="0" smtClean="0"/>
+              <a:t>Cadeia de medidas proposta – </a:t>
+            </a:r>
+            <a:r>
+              <a:rPr lang="pt-BR" dirty="0" err="1" smtClean="0"/>
+              <a:t>Torquímetro</a:t>
+            </a:r>
+            <a:endParaRPr lang="pt-BR" dirty="0"/>
+          </a:p>
+        </p:txBody>
+      </p:sp>
     </p:spTree>
     <p:extLst>
       <p:ext uri="{BB962C8B-B14F-4D97-AF65-F5344CB8AC3E}">
         <p14:creationId xmlns:p14="http://schemas.microsoft.com/office/powerpoint/2010/main" val="3505937857"/>
+      </p:ext>
+    </p:extLst>
+  </p:cSld>
+  <p:clrMapOvr>
+    <a:masterClrMapping/>
+  </p:clrMapOvr>
+</p:sld>
+</file>
+
+<file path=ppt/slides/slide7.xml><?xml version="1.0" encoding="utf-8"?>
+<p:sld xmlns:a="http://schemas.openxmlformats.org/drawingml/2006/main" xmlns:r="http://schemas.openxmlformats.org/officeDocument/2006/relationships" xmlns:p="http://schemas.openxmlformats.org/presentationml/2006/main">
+  <p:cSld>
+    <p:spTree>
+      <p:nvGrpSpPr>
+        <p:cNvPr id="1" name=""/>
+        <p:cNvGrpSpPr/>
+        <p:nvPr/>
+      </p:nvGrpSpPr>
+      <p:grpSpPr>
+        <a:xfrm>
+          <a:off x="0" y="0"/>
+          <a:ext cx="0" cy="0"/>
+          <a:chOff x="0" y="0"/>
+          <a:chExt cx="0" cy="0"/>
+        </a:xfrm>
+      </p:grpSpPr>
+      <p:cxnSp>
+        <p:nvCxnSpPr>
+          <p:cNvPr id="5" name="Conector reto 4"/>
+          <p:cNvCxnSpPr/>
+          <p:nvPr/>
+        </p:nvCxnSpPr>
+        <p:spPr>
+          <a:xfrm>
+            <a:off x="857250" y="2495550"/>
+            <a:ext cx="1028700" cy="0"/>
+          </a:xfrm>
+          <a:prstGeom prst="line">
+            <a:avLst/>
+          </a:prstGeom>
+          <a:ln w="19050">
+            <a:solidFill>
+              <a:schemeClr val="tx1"/>
+            </a:solidFill>
+          </a:ln>
+        </p:spPr>
+        <p:style>
+          <a:lnRef idx="1">
+            <a:schemeClr val="accent1"/>
+          </a:lnRef>
+          <a:fillRef idx="0">
+            <a:schemeClr val="accent1"/>
+          </a:fillRef>
+          <a:effectRef idx="0">
+            <a:schemeClr val="accent1"/>
+          </a:effectRef>
+          <a:fontRef idx="minor">
+            <a:schemeClr val="tx1"/>
+          </a:fontRef>
+        </p:style>
+      </p:cxnSp>
+      <p:cxnSp>
+        <p:nvCxnSpPr>
+          <p:cNvPr id="6" name="Conector reto 5"/>
+          <p:cNvCxnSpPr/>
+          <p:nvPr/>
+        </p:nvCxnSpPr>
+        <p:spPr>
+          <a:xfrm>
+            <a:off x="857250" y="3238500"/>
+            <a:ext cx="1028700" cy="0"/>
+          </a:xfrm>
+          <a:prstGeom prst="line">
+            <a:avLst/>
+          </a:prstGeom>
+          <a:ln w="19050">
+            <a:solidFill>
+              <a:schemeClr val="tx1"/>
+            </a:solidFill>
+          </a:ln>
+        </p:spPr>
+        <p:style>
+          <a:lnRef idx="1">
+            <a:schemeClr val="accent1"/>
+          </a:lnRef>
+          <a:fillRef idx="0">
+            <a:schemeClr val="accent1"/>
+          </a:fillRef>
+          <a:effectRef idx="0">
+            <a:schemeClr val="accent1"/>
+          </a:effectRef>
+          <a:fontRef idx="minor">
+            <a:schemeClr val="tx1"/>
+          </a:fontRef>
+        </p:style>
+      </p:cxnSp>
+      <p:cxnSp>
+        <p:nvCxnSpPr>
+          <p:cNvPr id="12" name="Conector reto 11"/>
+          <p:cNvCxnSpPr/>
+          <p:nvPr/>
+        </p:nvCxnSpPr>
+        <p:spPr>
+          <a:xfrm rot="-1800000">
+            <a:off x="1830652" y="2289175"/>
+            <a:ext cx="825500" cy="0"/>
+          </a:xfrm>
+          <a:prstGeom prst="line">
+            <a:avLst/>
+          </a:prstGeom>
+          <a:ln w="28575">
+            <a:solidFill>
+              <a:schemeClr val="tx1"/>
+            </a:solidFill>
+            <a:prstDash val="dash"/>
+          </a:ln>
+        </p:spPr>
+        <p:style>
+          <a:lnRef idx="1">
+            <a:schemeClr val="accent1"/>
+          </a:lnRef>
+          <a:fillRef idx="0">
+            <a:schemeClr val="accent1"/>
+          </a:fillRef>
+          <a:effectRef idx="0">
+            <a:schemeClr val="accent1"/>
+          </a:effectRef>
+          <a:fontRef idx="minor">
+            <a:schemeClr val="tx1"/>
+          </a:fontRef>
+        </p:style>
+      </p:cxnSp>
+      <p:cxnSp>
+        <p:nvCxnSpPr>
+          <p:cNvPr id="13" name="Conector reto 12"/>
+          <p:cNvCxnSpPr/>
+          <p:nvPr/>
+        </p:nvCxnSpPr>
+        <p:spPr>
+          <a:xfrm rot="1800000">
+            <a:off x="1830652" y="3444875"/>
+            <a:ext cx="825500" cy="0"/>
+          </a:xfrm>
+          <a:prstGeom prst="line">
+            <a:avLst/>
+          </a:prstGeom>
+          <a:ln w="28575">
+            <a:solidFill>
+              <a:schemeClr val="tx1"/>
+            </a:solidFill>
+            <a:prstDash val="dash"/>
+          </a:ln>
+        </p:spPr>
+        <p:style>
+          <a:lnRef idx="1">
+            <a:schemeClr val="accent1"/>
+          </a:lnRef>
+          <a:fillRef idx="0">
+            <a:schemeClr val="accent1"/>
+          </a:fillRef>
+          <a:effectRef idx="0">
+            <a:schemeClr val="accent1"/>
+          </a:effectRef>
+          <a:fontRef idx="minor">
+            <a:schemeClr val="tx1"/>
+          </a:fontRef>
+        </p:style>
+      </p:cxnSp>
+      <p:cxnSp>
+        <p:nvCxnSpPr>
+          <p:cNvPr id="14" name="Conector reto 13"/>
+          <p:cNvCxnSpPr/>
+          <p:nvPr/>
+        </p:nvCxnSpPr>
+        <p:spPr>
+          <a:xfrm>
+            <a:off x="2600854" y="2082800"/>
+            <a:ext cx="1028700" cy="0"/>
+          </a:xfrm>
+          <a:prstGeom prst="line">
+            <a:avLst/>
+          </a:prstGeom>
+          <a:ln w="19050">
+            <a:solidFill>
+              <a:schemeClr val="tx1"/>
+            </a:solidFill>
+          </a:ln>
+        </p:spPr>
+        <p:style>
+          <a:lnRef idx="1">
+            <a:schemeClr val="accent1"/>
+          </a:lnRef>
+          <a:fillRef idx="0">
+            <a:schemeClr val="accent1"/>
+          </a:fillRef>
+          <a:effectRef idx="0">
+            <a:schemeClr val="accent1"/>
+          </a:effectRef>
+          <a:fontRef idx="minor">
+            <a:schemeClr val="tx1"/>
+          </a:fontRef>
+        </p:style>
+      </p:cxnSp>
+      <p:cxnSp>
+        <p:nvCxnSpPr>
+          <p:cNvPr id="15" name="Conector reto 14"/>
+          <p:cNvCxnSpPr/>
+          <p:nvPr/>
+        </p:nvCxnSpPr>
+        <p:spPr>
+          <a:xfrm>
+            <a:off x="2600854" y="3644900"/>
+            <a:ext cx="1028700" cy="0"/>
+          </a:xfrm>
+          <a:prstGeom prst="line">
+            <a:avLst/>
+          </a:prstGeom>
+          <a:ln w="19050">
+            <a:solidFill>
+              <a:schemeClr val="tx1"/>
+            </a:solidFill>
+          </a:ln>
+        </p:spPr>
+        <p:style>
+          <a:lnRef idx="1">
+            <a:schemeClr val="accent1"/>
+          </a:lnRef>
+          <a:fillRef idx="0">
+            <a:schemeClr val="accent1"/>
+          </a:fillRef>
+          <a:effectRef idx="0">
+            <a:schemeClr val="accent1"/>
+          </a:effectRef>
+          <a:fontRef idx="minor">
+            <a:schemeClr val="tx1"/>
+          </a:fontRef>
+        </p:style>
+      </p:cxnSp>
+      <p:cxnSp>
+        <p:nvCxnSpPr>
+          <p:cNvPr id="16" name="Conector reto 15"/>
+          <p:cNvCxnSpPr/>
+          <p:nvPr/>
+        </p:nvCxnSpPr>
+        <p:spPr>
+          <a:xfrm rot="-1800000">
+            <a:off x="3574256" y="1870076"/>
+            <a:ext cx="825500" cy="0"/>
+          </a:xfrm>
+          <a:prstGeom prst="line">
+            <a:avLst/>
+          </a:prstGeom>
+          <a:ln w="28575">
+            <a:solidFill>
+              <a:schemeClr val="tx1"/>
+            </a:solidFill>
+            <a:prstDash val="dash"/>
+          </a:ln>
+        </p:spPr>
+        <p:style>
+          <a:lnRef idx="1">
+            <a:schemeClr val="accent1"/>
+          </a:lnRef>
+          <a:fillRef idx="0">
+            <a:schemeClr val="accent1"/>
+          </a:fillRef>
+          <a:effectRef idx="0">
+            <a:schemeClr val="accent1"/>
+          </a:effectRef>
+          <a:fontRef idx="minor">
+            <a:schemeClr val="tx1"/>
+          </a:fontRef>
+        </p:style>
+      </p:cxnSp>
+      <p:cxnSp>
+        <p:nvCxnSpPr>
+          <p:cNvPr id="17" name="Conector reto 16"/>
+          <p:cNvCxnSpPr/>
+          <p:nvPr/>
+        </p:nvCxnSpPr>
+        <p:spPr>
+          <a:xfrm>
+            <a:off x="4344458" y="1663701"/>
+            <a:ext cx="1028700" cy="0"/>
+          </a:xfrm>
+          <a:prstGeom prst="line">
+            <a:avLst/>
+          </a:prstGeom>
+          <a:ln w="19050">
+            <a:solidFill>
+              <a:schemeClr val="tx1"/>
+            </a:solidFill>
+          </a:ln>
+        </p:spPr>
+        <p:style>
+          <a:lnRef idx="1">
+            <a:schemeClr val="accent1"/>
+          </a:lnRef>
+          <a:fillRef idx="0">
+            <a:schemeClr val="accent1"/>
+          </a:fillRef>
+          <a:effectRef idx="0">
+            <a:schemeClr val="accent1"/>
+          </a:effectRef>
+          <a:fontRef idx="minor">
+            <a:schemeClr val="tx1"/>
+          </a:fontRef>
+        </p:style>
+      </p:cxnSp>
+      <p:cxnSp>
+        <p:nvCxnSpPr>
+          <p:cNvPr id="18" name="Conector reto 17"/>
+          <p:cNvCxnSpPr/>
+          <p:nvPr/>
+        </p:nvCxnSpPr>
+        <p:spPr>
+          <a:xfrm rot="1800000">
+            <a:off x="3574256" y="3851275"/>
+            <a:ext cx="825500" cy="0"/>
+          </a:xfrm>
+          <a:prstGeom prst="line">
+            <a:avLst/>
+          </a:prstGeom>
+          <a:ln w="28575">
+            <a:solidFill>
+              <a:schemeClr val="tx1"/>
+            </a:solidFill>
+            <a:prstDash val="dash"/>
+          </a:ln>
+        </p:spPr>
+        <p:style>
+          <a:lnRef idx="1">
+            <a:schemeClr val="accent1"/>
+          </a:lnRef>
+          <a:fillRef idx="0">
+            <a:schemeClr val="accent1"/>
+          </a:fillRef>
+          <a:effectRef idx="0">
+            <a:schemeClr val="accent1"/>
+          </a:effectRef>
+          <a:fontRef idx="minor">
+            <a:schemeClr val="tx1"/>
+          </a:fontRef>
+        </p:style>
+      </p:cxnSp>
+      <p:cxnSp>
+        <p:nvCxnSpPr>
+          <p:cNvPr id="19" name="Conector reto 18"/>
+          <p:cNvCxnSpPr/>
+          <p:nvPr/>
+        </p:nvCxnSpPr>
+        <p:spPr>
+          <a:xfrm>
+            <a:off x="4344458" y="4051300"/>
+            <a:ext cx="1028700" cy="0"/>
+          </a:xfrm>
+          <a:prstGeom prst="line">
+            <a:avLst/>
+          </a:prstGeom>
+          <a:ln w="19050">
+            <a:solidFill>
+              <a:schemeClr val="tx1"/>
+            </a:solidFill>
+          </a:ln>
+        </p:spPr>
+        <p:style>
+          <a:lnRef idx="1">
+            <a:schemeClr val="accent1"/>
+          </a:lnRef>
+          <a:fillRef idx="0">
+            <a:schemeClr val="accent1"/>
+          </a:fillRef>
+          <a:effectRef idx="0">
+            <a:schemeClr val="accent1"/>
+          </a:effectRef>
+          <a:fontRef idx="minor">
+            <a:schemeClr val="tx1"/>
+          </a:fontRef>
+        </p:style>
+      </p:cxnSp>
+      <p:sp>
+        <p:nvSpPr>
+          <p:cNvPr id="20" name="CaixaDeTexto 19"/>
+          <p:cNvSpPr txBox="1"/>
+          <p:nvPr/>
+        </p:nvSpPr>
+        <p:spPr>
+          <a:xfrm>
+            <a:off x="1025415" y="2682359"/>
+            <a:ext cx="692369" cy="369332"/>
+          </a:xfrm>
+          <a:prstGeom prst="rect">
+            <a:avLst/>
+          </a:prstGeom>
+          <a:noFill/>
+        </p:spPr>
+        <p:txBody>
+          <a:bodyPr wrap="none" rtlCol="0">
+            <a:spAutoFit/>
+          </a:bodyPr>
+          <a:lstStyle/>
+          <a:p>
+            <a:r>
+              <a:rPr lang="pt-BR" b="1" dirty="0" smtClean="0"/>
+              <a:t>Força</a:t>
+            </a:r>
+            <a:endParaRPr lang="pt-BR" b="1" dirty="0"/>
+          </a:p>
+        </p:txBody>
+      </p:sp>
+      <p:sp>
+        <p:nvSpPr>
+          <p:cNvPr id="21" name="CaixaDeTexto 20"/>
+          <p:cNvSpPr txBox="1"/>
+          <p:nvPr/>
+        </p:nvSpPr>
+        <p:spPr>
+          <a:xfrm>
+            <a:off x="2695858" y="2524295"/>
+            <a:ext cx="838691" cy="646331"/>
+          </a:xfrm>
+          <a:prstGeom prst="rect">
+            <a:avLst/>
+          </a:prstGeom>
+          <a:noFill/>
+        </p:spPr>
+        <p:txBody>
+          <a:bodyPr wrap="none" rtlCol="0">
+            <a:spAutoFit/>
+          </a:bodyPr>
+          <a:lstStyle/>
+          <a:p>
+            <a:pPr algn="ctr"/>
+            <a:r>
+              <a:rPr lang="el-GR" b="1" dirty="0" smtClean="0"/>
+              <a:t>Δ</a:t>
+            </a:r>
+            <a:r>
+              <a:rPr lang="pt-BR" b="1" dirty="0" smtClean="0"/>
+              <a:t>R dos</a:t>
+            </a:r>
+          </a:p>
+          <a:p>
+            <a:pPr algn="ctr"/>
+            <a:r>
+              <a:rPr lang="pt-BR" b="1" dirty="0" err="1" smtClean="0"/>
+              <a:t>SGs</a:t>
+            </a:r>
+            <a:endParaRPr lang="pt-BR" b="1" dirty="0"/>
+          </a:p>
+        </p:txBody>
+      </p:sp>
+      <p:sp>
+        <p:nvSpPr>
+          <p:cNvPr id="22" name="CaixaDeTexto 21"/>
+          <p:cNvSpPr txBox="1"/>
+          <p:nvPr/>
+        </p:nvSpPr>
+        <p:spPr>
+          <a:xfrm>
+            <a:off x="4353276" y="2384595"/>
+            <a:ext cx="1054456" cy="923330"/>
+          </a:xfrm>
+          <a:prstGeom prst="rect">
+            <a:avLst/>
+          </a:prstGeom>
+          <a:noFill/>
+        </p:spPr>
+        <p:txBody>
+          <a:bodyPr wrap="none" rtlCol="0">
+            <a:spAutoFit/>
+          </a:bodyPr>
+          <a:lstStyle/>
+          <a:p>
+            <a:pPr algn="ctr"/>
+            <a:r>
+              <a:rPr lang="pt-BR" b="1" dirty="0" smtClean="0"/>
+              <a:t>Tensão</a:t>
+            </a:r>
+          </a:p>
+          <a:p>
+            <a:pPr algn="ctr"/>
+            <a:r>
+              <a:rPr lang="pt-BR" b="1" dirty="0"/>
+              <a:t>d</a:t>
+            </a:r>
+            <a:r>
+              <a:rPr lang="pt-BR" b="1" dirty="0" smtClean="0"/>
+              <a:t>e Saída</a:t>
+            </a:r>
+          </a:p>
+          <a:p>
+            <a:pPr algn="ctr"/>
+            <a:r>
+              <a:rPr lang="pt-BR" b="1" dirty="0"/>
+              <a:t>d</a:t>
+            </a:r>
+            <a:r>
+              <a:rPr lang="pt-BR" b="1" dirty="0" smtClean="0"/>
+              <a:t>a Ponte</a:t>
+            </a:r>
+            <a:endParaRPr lang="pt-BR" b="1" dirty="0"/>
+          </a:p>
+        </p:txBody>
+      </p:sp>
+      <p:cxnSp>
+        <p:nvCxnSpPr>
+          <p:cNvPr id="27" name="Conector reto 26"/>
+          <p:cNvCxnSpPr/>
+          <p:nvPr/>
+        </p:nvCxnSpPr>
+        <p:spPr>
+          <a:xfrm rot="-1800000">
+            <a:off x="5317860" y="1460245"/>
+            <a:ext cx="825500" cy="0"/>
+          </a:xfrm>
+          <a:prstGeom prst="line">
+            <a:avLst/>
+          </a:prstGeom>
+          <a:ln w="28575">
+            <a:solidFill>
+              <a:schemeClr val="tx1"/>
+            </a:solidFill>
+            <a:prstDash val="dash"/>
+          </a:ln>
+        </p:spPr>
+        <p:style>
+          <a:lnRef idx="1">
+            <a:schemeClr val="accent1"/>
+          </a:lnRef>
+          <a:fillRef idx="0">
+            <a:schemeClr val="accent1"/>
+          </a:fillRef>
+          <a:effectRef idx="0">
+            <a:schemeClr val="accent1"/>
+          </a:effectRef>
+          <a:fontRef idx="minor">
+            <a:schemeClr val="tx1"/>
+          </a:fontRef>
+        </p:style>
+      </p:cxnSp>
+      <p:cxnSp>
+        <p:nvCxnSpPr>
+          <p:cNvPr id="28" name="Conector reto 27"/>
+          <p:cNvCxnSpPr/>
+          <p:nvPr/>
+        </p:nvCxnSpPr>
+        <p:spPr>
+          <a:xfrm>
+            <a:off x="6088062" y="1253870"/>
+            <a:ext cx="1028700" cy="0"/>
+          </a:xfrm>
+          <a:prstGeom prst="line">
+            <a:avLst/>
+          </a:prstGeom>
+          <a:ln w="19050">
+            <a:solidFill>
+              <a:schemeClr val="tx1"/>
+            </a:solidFill>
+          </a:ln>
+        </p:spPr>
+        <p:style>
+          <a:lnRef idx="1">
+            <a:schemeClr val="accent1"/>
+          </a:lnRef>
+          <a:fillRef idx="0">
+            <a:schemeClr val="accent1"/>
+          </a:fillRef>
+          <a:effectRef idx="0">
+            <a:schemeClr val="accent1"/>
+          </a:effectRef>
+          <a:fontRef idx="minor">
+            <a:schemeClr val="tx1"/>
+          </a:fontRef>
+        </p:style>
+      </p:cxnSp>
+      <p:cxnSp>
+        <p:nvCxnSpPr>
+          <p:cNvPr id="29" name="Conector reto 28"/>
+          <p:cNvCxnSpPr/>
+          <p:nvPr/>
+        </p:nvCxnSpPr>
+        <p:spPr>
+          <a:xfrm rot="1800000">
+            <a:off x="5317859" y="4257677"/>
+            <a:ext cx="825500" cy="0"/>
+          </a:xfrm>
+          <a:prstGeom prst="line">
+            <a:avLst/>
+          </a:prstGeom>
+          <a:ln w="28575">
+            <a:solidFill>
+              <a:schemeClr val="tx1"/>
+            </a:solidFill>
+            <a:prstDash val="dash"/>
+          </a:ln>
+        </p:spPr>
+        <p:style>
+          <a:lnRef idx="1">
+            <a:schemeClr val="accent1"/>
+          </a:lnRef>
+          <a:fillRef idx="0">
+            <a:schemeClr val="accent1"/>
+          </a:fillRef>
+          <a:effectRef idx="0">
+            <a:schemeClr val="accent1"/>
+          </a:effectRef>
+          <a:fontRef idx="minor">
+            <a:schemeClr val="tx1"/>
+          </a:fontRef>
+        </p:style>
+      </p:cxnSp>
+      <p:cxnSp>
+        <p:nvCxnSpPr>
+          <p:cNvPr id="30" name="Conector reto 29"/>
+          <p:cNvCxnSpPr/>
+          <p:nvPr/>
+        </p:nvCxnSpPr>
+        <p:spPr>
+          <a:xfrm>
+            <a:off x="6088061" y="4457702"/>
+            <a:ext cx="1028700" cy="0"/>
+          </a:xfrm>
+          <a:prstGeom prst="line">
+            <a:avLst/>
+          </a:prstGeom>
+          <a:ln w="19050">
+            <a:solidFill>
+              <a:schemeClr val="tx1"/>
+            </a:solidFill>
+          </a:ln>
+        </p:spPr>
+        <p:style>
+          <a:lnRef idx="1">
+            <a:schemeClr val="accent1"/>
+          </a:lnRef>
+          <a:fillRef idx="0">
+            <a:schemeClr val="accent1"/>
+          </a:fillRef>
+          <a:effectRef idx="0">
+            <a:schemeClr val="accent1"/>
+          </a:effectRef>
+          <a:fontRef idx="minor">
+            <a:schemeClr val="tx1"/>
+          </a:fontRef>
+        </p:style>
+      </p:cxnSp>
+      <p:sp>
+        <p:nvSpPr>
+          <p:cNvPr id="31" name="CaixaDeTexto 30"/>
+          <p:cNvSpPr txBox="1"/>
+          <p:nvPr/>
+        </p:nvSpPr>
+        <p:spPr>
+          <a:xfrm>
+            <a:off x="5940622" y="2105195"/>
+            <a:ext cx="1283364" cy="1477328"/>
+          </a:xfrm>
+          <a:prstGeom prst="rect">
+            <a:avLst/>
+          </a:prstGeom>
+          <a:noFill/>
+        </p:spPr>
+        <p:txBody>
+          <a:bodyPr wrap="none" rtlCol="0">
+            <a:spAutoFit/>
+          </a:bodyPr>
+          <a:lstStyle/>
+          <a:p>
+            <a:pPr algn="ctr"/>
+            <a:r>
+              <a:rPr lang="pt-BR" b="1" dirty="0" smtClean="0"/>
+              <a:t>Tensão</a:t>
+            </a:r>
+          </a:p>
+          <a:p>
+            <a:pPr algn="ctr"/>
+            <a:r>
+              <a:rPr lang="pt-BR" b="1" dirty="0"/>
+              <a:t>d</a:t>
+            </a:r>
+            <a:r>
+              <a:rPr lang="pt-BR" b="1" dirty="0" smtClean="0"/>
+              <a:t>e Saída</a:t>
+            </a:r>
+          </a:p>
+          <a:p>
+            <a:pPr algn="ctr"/>
+            <a:r>
+              <a:rPr lang="pt-BR" b="1" dirty="0"/>
+              <a:t>d</a:t>
+            </a:r>
+            <a:r>
+              <a:rPr lang="pt-BR" b="1" dirty="0" smtClean="0"/>
+              <a:t>o </a:t>
+            </a:r>
+            <a:r>
+              <a:rPr lang="pt-BR" b="1" dirty="0" err="1" smtClean="0"/>
+              <a:t>Amplif</a:t>
+            </a:r>
+            <a:r>
+              <a:rPr lang="pt-BR" b="1" dirty="0" smtClean="0"/>
+              <a:t>.</a:t>
+            </a:r>
+          </a:p>
+          <a:p>
+            <a:pPr algn="ctr"/>
+            <a:r>
+              <a:rPr lang="pt-BR" b="1" dirty="0"/>
+              <a:t>d</a:t>
+            </a:r>
+            <a:r>
+              <a:rPr lang="pt-BR" b="1" dirty="0" smtClean="0"/>
+              <a:t>e </a:t>
+            </a:r>
+            <a:r>
+              <a:rPr lang="pt-BR" b="1" dirty="0" err="1" smtClean="0"/>
+              <a:t>Instrum</a:t>
+            </a:r>
+            <a:r>
+              <a:rPr lang="pt-BR" b="1" dirty="0" smtClean="0"/>
+              <a:t>.</a:t>
+            </a:r>
+          </a:p>
+          <a:p>
+            <a:pPr algn="ctr"/>
+            <a:r>
+              <a:rPr lang="pt-BR" b="1" dirty="0" smtClean="0"/>
+              <a:t>G=29.24</a:t>
+            </a:r>
+            <a:endParaRPr lang="pt-BR" b="1" dirty="0"/>
+          </a:p>
+        </p:txBody>
+      </p:sp>
+      <p:cxnSp>
+        <p:nvCxnSpPr>
+          <p:cNvPr id="38" name="Conector reto 37"/>
+          <p:cNvCxnSpPr/>
+          <p:nvPr/>
+        </p:nvCxnSpPr>
+        <p:spPr>
+          <a:xfrm rot="-1800000">
+            <a:off x="7061463" y="1044064"/>
+            <a:ext cx="825500" cy="0"/>
+          </a:xfrm>
+          <a:prstGeom prst="line">
+            <a:avLst/>
+          </a:prstGeom>
+          <a:ln w="28575">
+            <a:solidFill>
+              <a:schemeClr val="tx1"/>
+            </a:solidFill>
+            <a:prstDash val="dash"/>
+          </a:ln>
+        </p:spPr>
+        <p:style>
+          <a:lnRef idx="1">
+            <a:schemeClr val="accent1"/>
+          </a:lnRef>
+          <a:fillRef idx="0">
+            <a:schemeClr val="accent1"/>
+          </a:fillRef>
+          <a:effectRef idx="0">
+            <a:schemeClr val="accent1"/>
+          </a:effectRef>
+          <a:fontRef idx="minor">
+            <a:schemeClr val="tx1"/>
+          </a:fontRef>
+        </p:style>
+      </p:cxnSp>
+      <p:cxnSp>
+        <p:nvCxnSpPr>
+          <p:cNvPr id="39" name="Conector reto 38"/>
+          <p:cNvCxnSpPr/>
+          <p:nvPr/>
+        </p:nvCxnSpPr>
+        <p:spPr>
+          <a:xfrm>
+            <a:off x="7831665" y="837689"/>
+            <a:ext cx="1028700" cy="0"/>
+          </a:xfrm>
+          <a:prstGeom prst="line">
+            <a:avLst/>
+          </a:prstGeom>
+          <a:ln w="19050">
+            <a:solidFill>
+              <a:schemeClr val="tx1"/>
+            </a:solidFill>
+          </a:ln>
+        </p:spPr>
+        <p:style>
+          <a:lnRef idx="1">
+            <a:schemeClr val="accent1"/>
+          </a:lnRef>
+          <a:fillRef idx="0">
+            <a:schemeClr val="accent1"/>
+          </a:fillRef>
+          <a:effectRef idx="0">
+            <a:schemeClr val="accent1"/>
+          </a:effectRef>
+          <a:fontRef idx="minor">
+            <a:schemeClr val="tx1"/>
+          </a:fontRef>
+        </p:style>
+      </p:cxnSp>
+      <p:cxnSp>
+        <p:nvCxnSpPr>
+          <p:cNvPr id="40" name="Conector reto 39"/>
+          <p:cNvCxnSpPr/>
+          <p:nvPr/>
+        </p:nvCxnSpPr>
+        <p:spPr>
+          <a:xfrm rot="1800000">
+            <a:off x="7061463" y="4664076"/>
+            <a:ext cx="825500" cy="0"/>
+          </a:xfrm>
+          <a:prstGeom prst="line">
+            <a:avLst/>
+          </a:prstGeom>
+          <a:ln w="28575">
+            <a:solidFill>
+              <a:schemeClr val="tx1"/>
+            </a:solidFill>
+            <a:prstDash val="dash"/>
+          </a:ln>
+        </p:spPr>
+        <p:style>
+          <a:lnRef idx="1">
+            <a:schemeClr val="accent1"/>
+          </a:lnRef>
+          <a:fillRef idx="0">
+            <a:schemeClr val="accent1"/>
+          </a:fillRef>
+          <a:effectRef idx="0">
+            <a:schemeClr val="accent1"/>
+          </a:effectRef>
+          <a:fontRef idx="minor">
+            <a:schemeClr val="tx1"/>
+          </a:fontRef>
+        </p:style>
+      </p:cxnSp>
+      <p:cxnSp>
+        <p:nvCxnSpPr>
+          <p:cNvPr id="41" name="Conector reto 40"/>
+          <p:cNvCxnSpPr/>
+          <p:nvPr/>
+        </p:nvCxnSpPr>
+        <p:spPr>
+          <a:xfrm>
+            <a:off x="7831665" y="4864101"/>
+            <a:ext cx="1028700" cy="0"/>
+          </a:xfrm>
+          <a:prstGeom prst="line">
+            <a:avLst/>
+          </a:prstGeom>
+          <a:ln w="19050">
+            <a:solidFill>
+              <a:schemeClr val="tx1"/>
+            </a:solidFill>
+          </a:ln>
+        </p:spPr>
+        <p:style>
+          <a:lnRef idx="1">
+            <a:schemeClr val="accent1"/>
+          </a:lnRef>
+          <a:fillRef idx="0">
+            <a:schemeClr val="accent1"/>
+          </a:fillRef>
+          <a:effectRef idx="0">
+            <a:schemeClr val="accent1"/>
+          </a:effectRef>
+          <a:fontRef idx="minor">
+            <a:schemeClr val="tx1"/>
+          </a:fontRef>
+        </p:style>
+      </p:cxnSp>
+      <p:sp>
+        <p:nvSpPr>
+          <p:cNvPr id="43" name="CaixaDeTexto 42"/>
+          <p:cNvSpPr txBox="1"/>
+          <p:nvPr/>
+        </p:nvSpPr>
+        <p:spPr>
+          <a:xfrm>
+            <a:off x="7876342" y="2377559"/>
+            <a:ext cx="960520" cy="923330"/>
+          </a:xfrm>
+          <a:prstGeom prst="rect">
+            <a:avLst/>
+          </a:prstGeom>
+          <a:noFill/>
+        </p:spPr>
+        <p:txBody>
+          <a:bodyPr wrap="none" rtlCol="0">
+            <a:spAutoFit/>
+          </a:bodyPr>
+          <a:lstStyle/>
+          <a:p>
+            <a:pPr algn="ctr"/>
+            <a:r>
+              <a:rPr lang="pt-BR" b="1" dirty="0" smtClean="0"/>
+              <a:t>ADC</a:t>
+            </a:r>
+          </a:p>
+          <a:p>
+            <a:pPr algn="ctr"/>
+            <a:r>
+              <a:rPr lang="pt-BR" b="1" dirty="0" smtClean="0"/>
+              <a:t>14 bits</a:t>
+            </a:r>
+          </a:p>
+          <a:p>
+            <a:pPr algn="ctr"/>
+            <a:r>
+              <a:rPr lang="pt-BR" b="1" dirty="0" smtClean="0"/>
+              <a:t>-5 a +5V</a:t>
+            </a:r>
+          </a:p>
+        </p:txBody>
+      </p:sp>
+      <p:sp>
+        <p:nvSpPr>
+          <p:cNvPr id="44" name="CaixaDeTexto 43"/>
+          <p:cNvSpPr txBox="1"/>
+          <p:nvPr/>
+        </p:nvSpPr>
+        <p:spPr>
+          <a:xfrm>
+            <a:off x="1090513" y="3190874"/>
+            <a:ext cx="529312" cy="369332"/>
+          </a:xfrm>
+          <a:prstGeom prst="rect">
+            <a:avLst/>
+          </a:prstGeom>
+          <a:noFill/>
+        </p:spPr>
+        <p:txBody>
+          <a:bodyPr wrap="none" rtlCol="0">
+            <a:spAutoFit/>
+          </a:bodyPr>
+          <a:lstStyle/>
+          <a:p>
+            <a:r>
+              <a:rPr lang="pt-BR" dirty="0" err="1" smtClean="0"/>
+              <a:t>F</a:t>
+            </a:r>
+            <a:r>
+              <a:rPr lang="pt-BR" baseline="-25000" dirty="0" err="1" smtClean="0"/>
+              <a:t>mín</a:t>
+            </a:r>
+            <a:endParaRPr lang="pt-BR" dirty="0"/>
+          </a:p>
+        </p:txBody>
+      </p:sp>
+      <p:sp>
+        <p:nvSpPr>
+          <p:cNvPr id="45" name="CaixaDeTexto 44"/>
+          <p:cNvSpPr txBox="1"/>
+          <p:nvPr/>
+        </p:nvSpPr>
+        <p:spPr>
+          <a:xfrm>
+            <a:off x="1090513" y="2124074"/>
+            <a:ext cx="553549" cy="369332"/>
+          </a:xfrm>
+          <a:prstGeom prst="rect">
+            <a:avLst/>
+          </a:prstGeom>
+          <a:noFill/>
+        </p:spPr>
+        <p:txBody>
+          <a:bodyPr wrap="none" rtlCol="0">
+            <a:spAutoFit/>
+          </a:bodyPr>
+          <a:lstStyle/>
+          <a:p>
+            <a:r>
+              <a:rPr lang="pt-BR" dirty="0" err="1" smtClean="0"/>
+              <a:t>F</a:t>
+            </a:r>
+            <a:r>
+              <a:rPr lang="pt-BR" baseline="-25000" dirty="0" err="1" smtClean="0"/>
+              <a:t>máx</a:t>
+            </a:r>
+            <a:endParaRPr lang="pt-BR" dirty="0"/>
+          </a:p>
+        </p:txBody>
+      </p:sp>
+      <p:sp>
+        <p:nvSpPr>
+          <p:cNvPr id="46" name="CaixaDeTexto 45"/>
+          <p:cNvSpPr txBox="1"/>
+          <p:nvPr/>
+        </p:nvSpPr>
+        <p:spPr>
+          <a:xfrm>
+            <a:off x="2828812" y="1680689"/>
+            <a:ext cx="572786" cy="369332"/>
+          </a:xfrm>
+          <a:prstGeom prst="rect">
+            <a:avLst/>
+          </a:prstGeom>
+          <a:noFill/>
+        </p:spPr>
+        <p:txBody>
+          <a:bodyPr wrap="none" rtlCol="0">
+            <a:spAutoFit/>
+          </a:bodyPr>
+          <a:lstStyle/>
+          <a:p>
+            <a:pPr algn="ctr"/>
+            <a:r>
+              <a:rPr lang="pt-BR" dirty="0" err="1" smtClean="0"/>
+              <a:t>R</a:t>
+            </a:r>
+            <a:r>
+              <a:rPr lang="pt-BR" baseline="-25000" dirty="0" err="1" smtClean="0"/>
+              <a:t>máx</a:t>
+            </a:r>
+            <a:endParaRPr lang="pt-BR" dirty="0"/>
+          </a:p>
+        </p:txBody>
+      </p:sp>
+      <p:sp>
+        <p:nvSpPr>
+          <p:cNvPr id="47" name="CaixaDeTexto 46"/>
+          <p:cNvSpPr txBox="1"/>
+          <p:nvPr/>
+        </p:nvSpPr>
+        <p:spPr>
+          <a:xfrm>
+            <a:off x="2840931" y="3598389"/>
+            <a:ext cx="548548" cy="369332"/>
+          </a:xfrm>
+          <a:prstGeom prst="rect">
+            <a:avLst/>
+          </a:prstGeom>
+          <a:noFill/>
+        </p:spPr>
+        <p:txBody>
+          <a:bodyPr wrap="none" rtlCol="0">
+            <a:spAutoFit/>
+          </a:bodyPr>
+          <a:lstStyle/>
+          <a:p>
+            <a:pPr algn="ctr"/>
+            <a:r>
+              <a:rPr lang="pt-BR" dirty="0" err="1" smtClean="0"/>
+              <a:t>R</a:t>
+            </a:r>
+            <a:r>
+              <a:rPr lang="pt-BR" baseline="-25000" dirty="0" err="1" smtClean="0"/>
+              <a:t>mín</a:t>
+            </a:r>
+            <a:endParaRPr lang="pt-BR" dirty="0"/>
+          </a:p>
+        </p:txBody>
+      </p:sp>
+      <p:sp>
+        <p:nvSpPr>
+          <p:cNvPr id="48" name="CaixaDeTexto 47"/>
+          <p:cNvSpPr txBox="1"/>
+          <p:nvPr/>
+        </p:nvSpPr>
+        <p:spPr>
+          <a:xfrm>
+            <a:off x="4317114" y="1271886"/>
+            <a:ext cx="1126783" cy="369332"/>
+          </a:xfrm>
+          <a:prstGeom prst="rect">
+            <a:avLst/>
+          </a:prstGeom>
+          <a:noFill/>
+        </p:spPr>
+        <p:txBody>
+          <a:bodyPr wrap="none" rtlCol="0">
+            <a:spAutoFit/>
+          </a:bodyPr>
+          <a:lstStyle/>
+          <a:p>
+            <a:pPr algn="ctr"/>
+            <a:r>
+              <a:rPr lang="pt-BR" dirty="0" err="1" smtClean="0"/>
+              <a:t>Vponte</a:t>
+            </a:r>
+            <a:r>
+              <a:rPr lang="pt-BR" baseline="-25000" dirty="0" err="1" smtClean="0"/>
+              <a:t>máx</a:t>
+            </a:r>
+            <a:endParaRPr lang="pt-BR" dirty="0"/>
+          </a:p>
+        </p:txBody>
+      </p:sp>
+      <p:sp>
+        <p:nvSpPr>
+          <p:cNvPr id="49" name="CaixaDeTexto 48"/>
+          <p:cNvSpPr txBox="1"/>
+          <p:nvPr/>
+        </p:nvSpPr>
+        <p:spPr>
+          <a:xfrm>
+            <a:off x="4329232" y="4027786"/>
+            <a:ext cx="1102546" cy="369332"/>
+          </a:xfrm>
+          <a:prstGeom prst="rect">
+            <a:avLst/>
+          </a:prstGeom>
+          <a:noFill/>
+        </p:spPr>
+        <p:txBody>
+          <a:bodyPr wrap="none" rtlCol="0">
+            <a:spAutoFit/>
+          </a:bodyPr>
+          <a:lstStyle/>
+          <a:p>
+            <a:pPr algn="ctr"/>
+            <a:r>
+              <a:rPr lang="pt-BR" dirty="0" err="1" smtClean="0"/>
+              <a:t>Vponte</a:t>
+            </a:r>
+            <a:r>
+              <a:rPr lang="pt-BR" baseline="-25000" dirty="0" err="1" smtClean="0"/>
+              <a:t>mín</a:t>
+            </a:r>
+            <a:endParaRPr lang="pt-BR" dirty="0"/>
+          </a:p>
+        </p:txBody>
+      </p:sp>
+      <p:sp>
+        <p:nvSpPr>
+          <p:cNvPr id="50" name="CaixaDeTexto 49"/>
+          <p:cNvSpPr txBox="1"/>
+          <p:nvPr/>
+        </p:nvSpPr>
+        <p:spPr>
+          <a:xfrm>
+            <a:off x="6239280" y="884539"/>
+            <a:ext cx="773546" cy="369332"/>
+          </a:xfrm>
+          <a:prstGeom prst="rect">
+            <a:avLst/>
+          </a:prstGeom>
+          <a:noFill/>
+        </p:spPr>
+        <p:txBody>
+          <a:bodyPr wrap="none" rtlCol="0">
+            <a:spAutoFit/>
+          </a:bodyPr>
+          <a:lstStyle/>
+          <a:p>
+            <a:pPr algn="ctr"/>
+            <a:r>
+              <a:rPr lang="pt-BR" dirty="0" err="1" smtClean="0"/>
+              <a:t>V</a:t>
+            </a:r>
+            <a:r>
+              <a:rPr lang="pt-BR" baseline="-25000" dirty="0" err="1" smtClean="0"/>
+              <a:t>AI_máx</a:t>
+            </a:r>
+            <a:endParaRPr lang="pt-BR" dirty="0"/>
+          </a:p>
+        </p:txBody>
+      </p:sp>
+      <p:sp>
+        <p:nvSpPr>
+          <p:cNvPr id="51" name="CaixaDeTexto 50"/>
+          <p:cNvSpPr txBox="1"/>
+          <p:nvPr/>
+        </p:nvSpPr>
+        <p:spPr>
+          <a:xfrm>
+            <a:off x="6249796" y="4453239"/>
+            <a:ext cx="752514" cy="369332"/>
+          </a:xfrm>
+          <a:prstGeom prst="rect">
+            <a:avLst/>
+          </a:prstGeom>
+          <a:noFill/>
+        </p:spPr>
+        <p:txBody>
+          <a:bodyPr wrap="none" rtlCol="0">
+            <a:spAutoFit/>
+          </a:bodyPr>
+          <a:lstStyle/>
+          <a:p>
+            <a:pPr algn="ctr"/>
+            <a:r>
+              <a:rPr lang="pt-BR" dirty="0" err="1" smtClean="0"/>
+              <a:t>V</a:t>
+            </a:r>
+            <a:r>
+              <a:rPr lang="pt-BR" baseline="-25000" dirty="0" err="1" smtClean="0"/>
+              <a:t>AI_mín</a:t>
+            </a:r>
+            <a:endParaRPr lang="pt-BR" dirty="0"/>
+          </a:p>
+        </p:txBody>
+      </p:sp>
+      <p:sp>
+        <p:nvSpPr>
+          <p:cNvPr id="53" name="CaixaDeTexto 52"/>
+          <p:cNvSpPr txBox="1"/>
+          <p:nvPr/>
+        </p:nvSpPr>
+        <p:spPr>
+          <a:xfrm>
+            <a:off x="8050806" y="442447"/>
+            <a:ext cx="590418" cy="369332"/>
+          </a:xfrm>
+          <a:prstGeom prst="rect">
+            <a:avLst/>
+          </a:prstGeom>
+          <a:noFill/>
+        </p:spPr>
+        <p:txBody>
+          <a:bodyPr wrap="none" rtlCol="0">
+            <a:spAutoFit/>
+          </a:bodyPr>
+          <a:lstStyle/>
+          <a:p>
+            <a:pPr algn="ctr"/>
+            <a:r>
+              <a:rPr lang="pt-BR" dirty="0" err="1" smtClean="0"/>
+              <a:t>D</a:t>
+            </a:r>
+            <a:r>
+              <a:rPr lang="pt-BR" baseline="-25000" dirty="0" err="1" smtClean="0"/>
+              <a:t>máx</a:t>
+            </a:r>
+            <a:endParaRPr lang="pt-BR" dirty="0"/>
+          </a:p>
+        </p:txBody>
+      </p:sp>
+      <p:sp>
+        <p:nvSpPr>
+          <p:cNvPr id="54" name="CaixaDeTexto 53"/>
+          <p:cNvSpPr txBox="1"/>
+          <p:nvPr/>
+        </p:nvSpPr>
+        <p:spPr>
+          <a:xfrm>
+            <a:off x="8062925" y="4836647"/>
+            <a:ext cx="566181" cy="369332"/>
+          </a:xfrm>
+          <a:prstGeom prst="rect">
+            <a:avLst/>
+          </a:prstGeom>
+          <a:noFill/>
+        </p:spPr>
+        <p:txBody>
+          <a:bodyPr wrap="none" rtlCol="0">
+            <a:spAutoFit/>
+          </a:bodyPr>
+          <a:lstStyle/>
+          <a:p>
+            <a:pPr algn="ctr"/>
+            <a:r>
+              <a:rPr lang="pt-BR" dirty="0" err="1" smtClean="0"/>
+              <a:t>D</a:t>
+            </a:r>
+            <a:r>
+              <a:rPr lang="pt-BR" baseline="-25000" dirty="0" err="1" smtClean="0"/>
+              <a:t>mín</a:t>
+            </a:r>
+            <a:endParaRPr lang="pt-BR" dirty="0"/>
+          </a:p>
+        </p:txBody>
+      </p:sp>
+      <p:sp>
+        <p:nvSpPr>
+          <p:cNvPr id="35" name="CaixaDeTexto 34"/>
+          <p:cNvSpPr txBox="1"/>
+          <p:nvPr/>
+        </p:nvSpPr>
+        <p:spPr>
+          <a:xfrm>
+            <a:off x="1225755" y="5997408"/>
+            <a:ext cx="5942011" cy="369332"/>
+          </a:xfrm>
+          <a:prstGeom prst="rect">
+            <a:avLst/>
+          </a:prstGeom>
+          <a:noFill/>
+        </p:spPr>
+        <p:txBody>
+          <a:bodyPr wrap="none" rtlCol="0">
+            <a:spAutoFit/>
+          </a:bodyPr>
+          <a:lstStyle/>
+          <a:p>
+            <a:r>
+              <a:rPr lang="pt-BR" dirty="0" smtClean="0"/>
+              <a:t>Cadeia de medidas experimental – Célula de carga comercial</a:t>
+            </a:r>
+            <a:endParaRPr lang="pt-BR" dirty="0"/>
+          </a:p>
+        </p:txBody>
+      </p:sp>
+      <p:sp>
+        <p:nvSpPr>
+          <p:cNvPr id="36" name="CaixaDeTexto 35"/>
+          <p:cNvSpPr txBox="1"/>
+          <p:nvPr/>
+        </p:nvSpPr>
+        <p:spPr>
+          <a:xfrm>
+            <a:off x="1100933" y="2990682"/>
+            <a:ext cx="431529" cy="307777"/>
+          </a:xfrm>
+          <a:prstGeom prst="rect">
+            <a:avLst/>
+          </a:prstGeom>
+          <a:noFill/>
+        </p:spPr>
+        <p:txBody>
+          <a:bodyPr wrap="none" rtlCol="0">
+            <a:spAutoFit/>
+          </a:bodyPr>
+          <a:lstStyle/>
+          <a:p>
+            <a:pPr algn="ctr"/>
+            <a:r>
+              <a:rPr lang="pt-BR" sz="1400" dirty="0" smtClean="0"/>
+              <a:t>0 </a:t>
+            </a:r>
+            <a:r>
+              <a:rPr lang="pt-BR" sz="1400" i="1" dirty="0" smtClean="0"/>
+              <a:t>N</a:t>
+            </a:r>
+            <a:endParaRPr lang="pt-BR" sz="1400" dirty="0"/>
+          </a:p>
+        </p:txBody>
+      </p:sp>
+      <p:sp>
+        <p:nvSpPr>
+          <p:cNvPr id="37" name="CaixaDeTexto 36"/>
+          <p:cNvSpPr txBox="1"/>
+          <p:nvPr/>
+        </p:nvSpPr>
+        <p:spPr>
+          <a:xfrm>
+            <a:off x="1055248" y="2464902"/>
+            <a:ext cx="522900" cy="307777"/>
+          </a:xfrm>
+          <a:prstGeom prst="rect">
+            <a:avLst/>
+          </a:prstGeom>
+          <a:noFill/>
+        </p:spPr>
+        <p:txBody>
+          <a:bodyPr wrap="none" rtlCol="0">
+            <a:spAutoFit/>
+          </a:bodyPr>
+          <a:lstStyle/>
+          <a:p>
+            <a:pPr algn="ctr"/>
+            <a:r>
+              <a:rPr lang="pt-BR" sz="1400" dirty="0" smtClean="0"/>
+              <a:t>50 </a:t>
+            </a:r>
+            <a:r>
+              <a:rPr lang="pt-BR" sz="1400" i="1" dirty="0" smtClean="0"/>
+              <a:t>N</a:t>
+            </a:r>
+            <a:endParaRPr lang="pt-BR" sz="1400" dirty="0"/>
+          </a:p>
+        </p:txBody>
+      </p:sp>
+      <p:sp>
+        <p:nvSpPr>
+          <p:cNvPr id="42" name="CaixaDeTexto 41"/>
+          <p:cNvSpPr txBox="1"/>
+          <p:nvPr/>
+        </p:nvSpPr>
+        <p:spPr>
+          <a:xfrm>
+            <a:off x="2747155" y="2023589"/>
+            <a:ext cx="736100" cy="307777"/>
+          </a:xfrm>
+          <a:prstGeom prst="rect">
+            <a:avLst/>
+          </a:prstGeom>
+          <a:noFill/>
+        </p:spPr>
+        <p:txBody>
+          <a:bodyPr wrap="none" rtlCol="0">
+            <a:spAutoFit/>
+          </a:bodyPr>
+          <a:lstStyle/>
+          <a:p>
+            <a:pPr algn="ctr"/>
+            <a:r>
+              <a:rPr lang="pt-BR" sz="1400" dirty="0" smtClean="0"/>
+              <a:t>??? m</a:t>
+            </a:r>
+            <a:r>
+              <a:rPr lang="el-GR" sz="1400" dirty="0" smtClean="0"/>
+              <a:t>Ω</a:t>
+            </a:r>
+            <a:endParaRPr lang="pt-BR" sz="1400" dirty="0"/>
+          </a:p>
+        </p:txBody>
+      </p:sp>
+      <p:sp>
+        <p:nvSpPr>
+          <p:cNvPr id="52" name="CaixaDeTexto 51"/>
+          <p:cNvSpPr txBox="1"/>
+          <p:nvPr/>
+        </p:nvSpPr>
+        <p:spPr>
+          <a:xfrm>
+            <a:off x="2826504" y="3379949"/>
+            <a:ext cx="577402" cy="307777"/>
+          </a:xfrm>
+          <a:prstGeom prst="rect">
+            <a:avLst/>
+          </a:prstGeom>
+          <a:noFill/>
+        </p:spPr>
+        <p:txBody>
+          <a:bodyPr wrap="none" rtlCol="0">
+            <a:spAutoFit/>
+          </a:bodyPr>
+          <a:lstStyle/>
+          <a:p>
+            <a:pPr algn="ctr"/>
+            <a:r>
+              <a:rPr lang="pt-BR" sz="1400" dirty="0" smtClean="0"/>
+              <a:t>0 m</a:t>
+            </a:r>
+            <a:r>
+              <a:rPr lang="el-GR" sz="1400" dirty="0" smtClean="0"/>
+              <a:t>Ω</a:t>
+            </a:r>
+            <a:endParaRPr lang="pt-BR" sz="1400" dirty="0"/>
+          </a:p>
+        </p:txBody>
+      </p:sp>
+      <p:sp>
+        <p:nvSpPr>
+          <p:cNvPr id="55" name="CaixaDeTexto 54"/>
+          <p:cNvSpPr txBox="1"/>
+          <p:nvPr/>
+        </p:nvSpPr>
+        <p:spPr>
+          <a:xfrm>
+            <a:off x="4554132" y="1607166"/>
+            <a:ext cx="652744" cy="307777"/>
+          </a:xfrm>
+          <a:prstGeom prst="rect">
+            <a:avLst/>
+          </a:prstGeom>
+          <a:noFill/>
+        </p:spPr>
+        <p:txBody>
+          <a:bodyPr wrap="none" rtlCol="0">
+            <a:spAutoFit/>
+          </a:bodyPr>
+          <a:lstStyle/>
+          <a:p>
+            <a:pPr algn="ctr"/>
+            <a:r>
+              <a:rPr lang="pt-BR" sz="1400" dirty="0" smtClean="0"/>
+              <a:t>55 </a:t>
+            </a:r>
+            <a:r>
+              <a:rPr lang="pt-BR" sz="1400" dirty="0" err="1" smtClean="0"/>
+              <a:t>mV</a:t>
+            </a:r>
+            <a:endParaRPr lang="pt-BR" sz="1400" dirty="0"/>
+          </a:p>
+        </p:txBody>
+      </p:sp>
+      <p:sp>
+        <p:nvSpPr>
+          <p:cNvPr id="56" name="CaixaDeTexto 55"/>
+          <p:cNvSpPr txBox="1"/>
+          <p:nvPr/>
+        </p:nvSpPr>
+        <p:spPr>
+          <a:xfrm>
+            <a:off x="4554132" y="3778866"/>
+            <a:ext cx="652744" cy="307777"/>
+          </a:xfrm>
+          <a:prstGeom prst="rect">
+            <a:avLst/>
+          </a:prstGeom>
+          <a:noFill/>
+        </p:spPr>
+        <p:txBody>
+          <a:bodyPr wrap="none" rtlCol="0">
+            <a:spAutoFit/>
+          </a:bodyPr>
+          <a:lstStyle/>
+          <a:p>
+            <a:pPr algn="ctr"/>
+            <a:r>
+              <a:rPr lang="pt-BR" sz="1400" dirty="0" smtClean="0"/>
+              <a:t>65 </a:t>
+            </a:r>
+            <a:r>
+              <a:rPr lang="pt-BR" sz="1400" dirty="0" err="1" smtClean="0"/>
+              <a:t>mV</a:t>
+            </a:r>
+            <a:endParaRPr lang="pt-BR" sz="1400" dirty="0"/>
+          </a:p>
+        </p:txBody>
+      </p:sp>
+      <p:sp>
+        <p:nvSpPr>
+          <p:cNvPr id="57" name="CaixaDeTexto 56"/>
+          <p:cNvSpPr txBox="1"/>
+          <p:nvPr/>
+        </p:nvSpPr>
+        <p:spPr>
+          <a:xfrm>
+            <a:off x="6302888" y="1219819"/>
+            <a:ext cx="646331" cy="307777"/>
+          </a:xfrm>
+          <a:prstGeom prst="rect">
+            <a:avLst/>
+          </a:prstGeom>
+          <a:noFill/>
+        </p:spPr>
+        <p:txBody>
+          <a:bodyPr wrap="none" rtlCol="0">
+            <a:spAutoFit/>
+          </a:bodyPr>
+          <a:lstStyle/>
+          <a:p>
+            <a:pPr algn="ctr"/>
+            <a:r>
+              <a:rPr lang="pt-BR" sz="1400" dirty="0" smtClean="0"/>
+              <a:t>1.61 V</a:t>
+            </a:r>
+            <a:endParaRPr lang="pt-BR" sz="1400" dirty="0"/>
+          </a:p>
+        </p:txBody>
+      </p:sp>
+      <p:sp>
+        <p:nvSpPr>
+          <p:cNvPr id="58" name="CaixaDeTexto 57"/>
+          <p:cNvSpPr txBox="1"/>
+          <p:nvPr/>
+        </p:nvSpPr>
+        <p:spPr>
+          <a:xfrm>
+            <a:off x="6302887" y="4183999"/>
+            <a:ext cx="646332" cy="307777"/>
+          </a:xfrm>
+          <a:prstGeom prst="rect">
+            <a:avLst/>
+          </a:prstGeom>
+          <a:noFill/>
+        </p:spPr>
+        <p:txBody>
+          <a:bodyPr wrap="none" rtlCol="0">
+            <a:spAutoFit/>
+          </a:bodyPr>
+          <a:lstStyle/>
+          <a:p>
+            <a:pPr algn="ctr"/>
+            <a:r>
+              <a:rPr lang="pt-BR" sz="1400" dirty="0" smtClean="0"/>
+              <a:t>1.89 V</a:t>
+            </a:r>
+            <a:endParaRPr lang="pt-BR" sz="1400" dirty="0"/>
+          </a:p>
+        </p:txBody>
+      </p:sp>
+      <p:sp>
+        <p:nvSpPr>
+          <p:cNvPr id="60" name="CaixaDeTexto 59"/>
+          <p:cNvSpPr txBox="1"/>
+          <p:nvPr/>
+        </p:nvSpPr>
+        <p:spPr>
+          <a:xfrm>
+            <a:off x="7968349" y="4569947"/>
+            <a:ext cx="755336" cy="307777"/>
+          </a:xfrm>
+          <a:prstGeom prst="rect">
+            <a:avLst/>
+          </a:prstGeom>
+          <a:noFill/>
+        </p:spPr>
+        <p:txBody>
+          <a:bodyPr wrap="none" rtlCol="0">
+            <a:spAutoFit/>
+          </a:bodyPr>
+          <a:lstStyle/>
+          <a:p>
+            <a:pPr algn="ctr"/>
+            <a:r>
+              <a:rPr lang="pt-BR" sz="1400" dirty="0" smtClean="0"/>
+              <a:t>0h2C1E</a:t>
+            </a:r>
+            <a:endParaRPr lang="pt-BR" sz="1400" dirty="0"/>
+          </a:p>
+        </p:txBody>
+      </p:sp>
+      <p:sp>
+        <p:nvSpPr>
+          <p:cNvPr id="61" name="CaixaDeTexto 60"/>
+          <p:cNvSpPr txBox="1"/>
+          <p:nvPr/>
+        </p:nvSpPr>
+        <p:spPr>
+          <a:xfrm>
+            <a:off x="7971556" y="848847"/>
+            <a:ext cx="748923" cy="307777"/>
+          </a:xfrm>
+          <a:prstGeom prst="rect">
+            <a:avLst/>
+          </a:prstGeom>
+          <a:noFill/>
+        </p:spPr>
+        <p:txBody>
+          <a:bodyPr wrap="none" rtlCol="0">
+            <a:spAutoFit/>
+          </a:bodyPr>
+          <a:lstStyle/>
+          <a:p>
+            <a:pPr algn="ctr"/>
+            <a:r>
+              <a:rPr lang="pt-BR" sz="1400" dirty="0" smtClean="0"/>
+              <a:t>0h2A53</a:t>
+            </a:r>
+            <a:endParaRPr lang="pt-BR" sz="1400" dirty="0"/>
+          </a:p>
+        </p:txBody>
+      </p:sp>
+    </p:spTree>
+    <p:extLst>
+      <p:ext uri="{BB962C8B-B14F-4D97-AF65-F5344CB8AC3E}">
+        <p14:creationId xmlns:p14="http://schemas.microsoft.com/office/powerpoint/2010/main" val="3907772813"/>
+      </p:ext>
+    </p:extLst>
+  </p:cSld>
+  <p:clrMapOvr>
+    <a:masterClrMapping/>
+  </p:clrMapOvr>
+</p:sld>
+</file>
+
+<file path=ppt/slides/slide8.xml><?xml version="1.0" encoding="utf-8"?>
+<p:sld xmlns:a="http://schemas.openxmlformats.org/drawingml/2006/main" xmlns:r="http://schemas.openxmlformats.org/officeDocument/2006/relationships" xmlns:p="http://schemas.openxmlformats.org/presentationml/2006/main">
+  <p:cSld>
+    <p:spTree>
+      <p:nvGrpSpPr>
+        <p:cNvPr id="1" name=""/>
+        <p:cNvGrpSpPr/>
+        <p:nvPr/>
+      </p:nvGrpSpPr>
+      <p:grpSpPr>
+        <a:xfrm>
+          <a:off x="0" y="0"/>
+          <a:ext cx="0" cy="0"/>
+          <a:chOff x="0" y="0"/>
+          <a:chExt cx="0" cy="0"/>
+        </a:xfrm>
+      </p:grpSpPr>
+      <p:cxnSp>
+        <p:nvCxnSpPr>
+          <p:cNvPr id="5" name="Conector reto 4"/>
+          <p:cNvCxnSpPr/>
+          <p:nvPr/>
+        </p:nvCxnSpPr>
+        <p:spPr>
+          <a:xfrm>
+            <a:off x="857250" y="2495550"/>
+            <a:ext cx="1028700" cy="0"/>
+          </a:xfrm>
+          <a:prstGeom prst="line">
+            <a:avLst/>
+          </a:prstGeom>
+          <a:ln w="19050">
+            <a:solidFill>
+              <a:schemeClr val="tx1"/>
+            </a:solidFill>
+          </a:ln>
+        </p:spPr>
+        <p:style>
+          <a:lnRef idx="1">
+            <a:schemeClr val="accent1"/>
+          </a:lnRef>
+          <a:fillRef idx="0">
+            <a:schemeClr val="accent1"/>
+          </a:fillRef>
+          <a:effectRef idx="0">
+            <a:schemeClr val="accent1"/>
+          </a:effectRef>
+          <a:fontRef idx="minor">
+            <a:schemeClr val="tx1"/>
+          </a:fontRef>
+        </p:style>
+      </p:cxnSp>
+      <p:cxnSp>
+        <p:nvCxnSpPr>
+          <p:cNvPr id="6" name="Conector reto 5"/>
+          <p:cNvCxnSpPr/>
+          <p:nvPr/>
+        </p:nvCxnSpPr>
+        <p:spPr>
+          <a:xfrm>
+            <a:off x="857250" y="3238500"/>
+            <a:ext cx="1028700" cy="0"/>
+          </a:xfrm>
+          <a:prstGeom prst="line">
+            <a:avLst/>
+          </a:prstGeom>
+          <a:ln w="19050">
+            <a:solidFill>
+              <a:schemeClr val="tx1"/>
+            </a:solidFill>
+          </a:ln>
+        </p:spPr>
+        <p:style>
+          <a:lnRef idx="1">
+            <a:schemeClr val="accent1"/>
+          </a:lnRef>
+          <a:fillRef idx="0">
+            <a:schemeClr val="accent1"/>
+          </a:fillRef>
+          <a:effectRef idx="0">
+            <a:schemeClr val="accent1"/>
+          </a:effectRef>
+          <a:fontRef idx="minor">
+            <a:schemeClr val="tx1"/>
+          </a:fontRef>
+        </p:style>
+      </p:cxnSp>
+      <p:cxnSp>
+        <p:nvCxnSpPr>
+          <p:cNvPr id="12" name="Conector reto 11"/>
+          <p:cNvCxnSpPr/>
+          <p:nvPr/>
+        </p:nvCxnSpPr>
+        <p:spPr>
+          <a:xfrm rot="-1800000">
+            <a:off x="1830652" y="2289175"/>
+            <a:ext cx="825500" cy="0"/>
+          </a:xfrm>
+          <a:prstGeom prst="line">
+            <a:avLst/>
+          </a:prstGeom>
+          <a:ln w="28575">
+            <a:solidFill>
+              <a:schemeClr val="tx1"/>
+            </a:solidFill>
+            <a:prstDash val="dash"/>
+          </a:ln>
+        </p:spPr>
+        <p:style>
+          <a:lnRef idx="1">
+            <a:schemeClr val="accent1"/>
+          </a:lnRef>
+          <a:fillRef idx="0">
+            <a:schemeClr val="accent1"/>
+          </a:fillRef>
+          <a:effectRef idx="0">
+            <a:schemeClr val="accent1"/>
+          </a:effectRef>
+          <a:fontRef idx="minor">
+            <a:schemeClr val="tx1"/>
+          </a:fontRef>
+        </p:style>
+      </p:cxnSp>
+      <p:cxnSp>
+        <p:nvCxnSpPr>
+          <p:cNvPr id="13" name="Conector reto 12"/>
+          <p:cNvCxnSpPr/>
+          <p:nvPr/>
+        </p:nvCxnSpPr>
+        <p:spPr>
+          <a:xfrm rot="1800000">
+            <a:off x="1830652" y="3444875"/>
+            <a:ext cx="825500" cy="0"/>
+          </a:xfrm>
+          <a:prstGeom prst="line">
+            <a:avLst/>
+          </a:prstGeom>
+          <a:ln w="28575">
+            <a:solidFill>
+              <a:schemeClr val="tx1"/>
+            </a:solidFill>
+            <a:prstDash val="dash"/>
+          </a:ln>
+        </p:spPr>
+        <p:style>
+          <a:lnRef idx="1">
+            <a:schemeClr val="accent1"/>
+          </a:lnRef>
+          <a:fillRef idx="0">
+            <a:schemeClr val="accent1"/>
+          </a:fillRef>
+          <a:effectRef idx="0">
+            <a:schemeClr val="accent1"/>
+          </a:effectRef>
+          <a:fontRef idx="minor">
+            <a:schemeClr val="tx1"/>
+          </a:fontRef>
+        </p:style>
+      </p:cxnSp>
+      <p:cxnSp>
+        <p:nvCxnSpPr>
+          <p:cNvPr id="14" name="Conector reto 13"/>
+          <p:cNvCxnSpPr/>
+          <p:nvPr/>
+        </p:nvCxnSpPr>
+        <p:spPr>
+          <a:xfrm>
+            <a:off x="2600854" y="2082800"/>
+            <a:ext cx="1028700" cy="0"/>
+          </a:xfrm>
+          <a:prstGeom prst="line">
+            <a:avLst/>
+          </a:prstGeom>
+          <a:ln w="19050">
+            <a:solidFill>
+              <a:schemeClr val="tx1"/>
+            </a:solidFill>
+          </a:ln>
+        </p:spPr>
+        <p:style>
+          <a:lnRef idx="1">
+            <a:schemeClr val="accent1"/>
+          </a:lnRef>
+          <a:fillRef idx="0">
+            <a:schemeClr val="accent1"/>
+          </a:fillRef>
+          <a:effectRef idx="0">
+            <a:schemeClr val="accent1"/>
+          </a:effectRef>
+          <a:fontRef idx="minor">
+            <a:schemeClr val="tx1"/>
+          </a:fontRef>
+        </p:style>
+      </p:cxnSp>
+      <p:cxnSp>
+        <p:nvCxnSpPr>
+          <p:cNvPr id="15" name="Conector reto 14"/>
+          <p:cNvCxnSpPr/>
+          <p:nvPr/>
+        </p:nvCxnSpPr>
+        <p:spPr>
+          <a:xfrm>
+            <a:off x="2600854" y="3644900"/>
+            <a:ext cx="1028700" cy="0"/>
+          </a:xfrm>
+          <a:prstGeom prst="line">
+            <a:avLst/>
+          </a:prstGeom>
+          <a:ln w="19050">
+            <a:solidFill>
+              <a:schemeClr val="tx1"/>
+            </a:solidFill>
+          </a:ln>
+        </p:spPr>
+        <p:style>
+          <a:lnRef idx="1">
+            <a:schemeClr val="accent1"/>
+          </a:lnRef>
+          <a:fillRef idx="0">
+            <a:schemeClr val="accent1"/>
+          </a:fillRef>
+          <a:effectRef idx="0">
+            <a:schemeClr val="accent1"/>
+          </a:effectRef>
+          <a:fontRef idx="minor">
+            <a:schemeClr val="tx1"/>
+          </a:fontRef>
+        </p:style>
+      </p:cxnSp>
+      <p:cxnSp>
+        <p:nvCxnSpPr>
+          <p:cNvPr id="16" name="Conector reto 15"/>
+          <p:cNvCxnSpPr/>
+          <p:nvPr/>
+        </p:nvCxnSpPr>
+        <p:spPr>
+          <a:xfrm rot="-1800000">
+            <a:off x="3574256" y="1870076"/>
+            <a:ext cx="825500" cy="0"/>
+          </a:xfrm>
+          <a:prstGeom prst="line">
+            <a:avLst/>
+          </a:prstGeom>
+          <a:ln w="28575">
+            <a:solidFill>
+              <a:schemeClr val="tx1"/>
+            </a:solidFill>
+            <a:prstDash val="dash"/>
+          </a:ln>
+        </p:spPr>
+        <p:style>
+          <a:lnRef idx="1">
+            <a:schemeClr val="accent1"/>
+          </a:lnRef>
+          <a:fillRef idx="0">
+            <a:schemeClr val="accent1"/>
+          </a:fillRef>
+          <a:effectRef idx="0">
+            <a:schemeClr val="accent1"/>
+          </a:effectRef>
+          <a:fontRef idx="minor">
+            <a:schemeClr val="tx1"/>
+          </a:fontRef>
+        </p:style>
+      </p:cxnSp>
+      <p:cxnSp>
+        <p:nvCxnSpPr>
+          <p:cNvPr id="17" name="Conector reto 16"/>
+          <p:cNvCxnSpPr/>
+          <p:nvPr/>
+        </p:nvCxnSpPr>
+        <p:spPr>
+          <a:xfrm>
+            <a:off x="4344458" y="1663701"/>
+            <a:ext cx="1028700" cy="0"/>
+          </a:xfrm>
+          <a:prstGeom prst="line">
+            <a:avLst/>
+          </a:prstGeom>
+          <a:ln w="19050">
+            <a:solidFill>
+              <a:schemeClr val="tx1"/>
+            </a:solidFill>
+          </a:ln>
+        </p:spPr>
+        <p:style>
+          <a:lnRef idx="1">
+            <a:schemeClr val="accent1"/>
+          </a:lnRef>
+          <a:fillRef idx="0">
+            <a:schemeClr val="accent1"/>
+          </a:fillRef>
+          <a:effectRef idx="0">
+            <a:schemeClr val="accent1"/>
+          </a:effectRef>
+          <a:fontRef idx="minor">
+            <a:schemeClr val="tx1"/>
+          </a:fontRef>
+        </p:style>
+      </p:cxnSp>
+      <p:cxnSp>
+        <p:nvCxnSpPr>
+          <p:cNvPr id="18" name="Conector reto 17"/>
+          <p:cNvCxnSpPr/>
+          <p:nvPr/>
+        </p:nvCxnSpPr>
+        <p:spPr>
+          <a:xfrm rot="1800000">
+            <a:off x="3574256" y="3851275"/>
+            <a:ext cx="825500" cy="0"/>
+          </a:xfrm>
+          <a:prstGeom prst="line">
+            <a:avLst/>
+          </a:prstGeom>
+          <a:ln w="28575">
+            <a:solidFill>
+              <a:schemeClr val="tx1"/>
+            </a:solidFill>
+            <a:prstDash val="dash"/>
+          </a:ln>
+        </p:spPr>
+        <p:style>
+          <a:lnRef idx="1">
+            <a:schemeClr val="accent1"/>
+          </a:lnRef>
+          <a:fillRef idx="0">
+            <a:schemeClr val="accent1"/>
+          </a:fillRef>
+          <a:effectRef idx="0">
+            <a:schemeClr val="accent1"/>
+          </a:effectRef>
+          <a:fontRef idx="minor">
+            <a:schemeClr val="tx1"/>
+          </a:fontRef>
+        </p:style>
+      </p:cxnSp>
+      <p:cxnSp>
+        <p:nvCxnSpPr>
+          <p:cNvPr id="19" name="Conector reto 18"/>
+          <p:cNvCxnSpPr/>
+          <p:nvPr/>
+        </p:nvCxnSpPr>
+        <p:spPr>
+          <a:xfrm>
+            <a:off x="4344458" y="4051300"/>
+            <a:ext cx="1028700" cy="0"/>
+          </a:xfrm>
+          <a:prstGeom prst="line">
+            <a:avLst/>
+          </a:prstGeom>
+          <a:ln w="19050">
+            <a:solidFill>
+              <a:schemeClr val="tx1"/>
+            </a:solidFill>
+          </a:ln>
+        </p:spPr>
+        <p:style>
+          <a:lnRef idx="1">
+            <a:schemeClr val="accent1"/>
+          </a:lnRef>
+          <a:fillRef idx="0">
+            <a:schemeClr val="accent1"/>
+          </a:fillRef>
+          <a:effectRef idx="0">
+            <a:schemeClr val="accent1"/>
+          </a:effectRef>
+          <a:fontRef idx="minor">
+            <a:schemeClr val="tx1"/>
+          </a:fontRef>
+        </p:style>
+      </p:cxnSp>
+      <p:sp>
+        <p:nvSpPr>
+          <p:cNvPr id="20" name="CaixaDeTexto 19"/>
+          <p:cNvSpPr txBox="1"/>
+          <p:nvPr/>
+        </p:nvSpPr>
+        <p:spPr>
+          <a:xfrm>
+            <a:off x="1025415" y="2682359"/>
+            <a:ext cx="692369" cy="369332"/>
+          </a:xfrm>
+          <a:prstGeom prst="rect">
+            <a:avLst/>
+          </a:prstGeom>
+          <a:noFill/>
+        </p:spPr>
+        <p:txBody>
+          <a:bodyPr wrap="none" rtlCol="0">
+            <a:spAutoFit/>
+          </a:bodyPr>
+          <a:lstStyle/>
+          <a:p>
+            <a:r>
+              <a:rPr lang="pt-BR" b="1" dirty="0" smtClean="0"/>
+              <a:t>Força</a:t>
+            </a:r>
+            <a:endParaRPr lang="pt-BR" b="1" dirty="0"/>
+          </a:p>
+        </p:txBody>
+      </p:sp>
+      <p:sp>
+        <p:nvSpPr>
+          <p:cNvPr id="21" name="CaixaDeTexto 20"/>
+          <p:cNvSpPr txBox="1"/>
+          <p:nvPr/>
+        </p:nvSpPr>
+        <p:spPr>
+          <a:xfrm>
+            <a:off x="2695858" y="2524295"/>
+            <a:ext cx="838691" cy="646331"/>
+          </a:xfrm>
+          <a:prstGeom prst="rect">
+            <a:avLst/>
+          </a:prstGeom>
+          <a:noFill/>
+        </p:spPr>
+        <p:txBody>
+          <a:bodyPr wrap="none" rtlCol="0">
+            <a:spAutoFit/>
+          </a:bodyPr>
+          <a:lstStyle/>
+          <a:p>
+            <a:pPr algn="ctr"/>
+            <a:r>
+              <a:rPr lang="el-GR" b="1" dirty="0" smtClean="0"/>
+              <a:t>Δ</a:t>
+            </a:r>
+            <a:r>
+              <a:rPr lang="pt-BR" b="1" dirty="0" smtClean="0"/>
+              <a:t>R dos</a:t>
+            </a:r>
+          </a:p>
+          <a:p>
+            <a:pPr algn="ctr"/>
+            <a:r>
+              <a:rPr lang="pt-BR" b="1" dirty="0" err="1" smtClean="0"/>
+              <a:t>SGs</a:t>
+            </a:r>
+            <a:endParaRPr lang="pt-BR" b="1" dirty="0"/>
+          </a:p>
+        </p:txBody>
+      </p:sp>
+      <p:sp>
+        <p:nvSpPr>
+          <p:cNvPr id="22" name="CaixaDeTexto 21"/>
+          <p:cNvSpPr txBox="1"/>
+          <p:nvPr/>
+        </p:nvSpPr>
+        <p:spPr>
+          <a:xfrm>
+            <a:off x="4353276" y="2384595"/>
+            <a:ext cx="1054456" cy="923330"/>
+          </a:xfrm>
+          <a:prstGeom prst="rect">
+            <a:avLst/>
+          </a:prstGeom>
+          <a:noFill/>
+        </p:spPr>
+        <p:txBody>
+          <a:bodyPr wrap="none" rtlCol="0">
+            <a:spAutoFit/>
+          </a:bodyPr>
+          <a:lstStyle/>
+          <a:p>
+            <a:pPr algn="ctr"/>
+            <a:r>
+              <a:rPr lang="pt-BR" b="1" dirty="0" smtClean="0"/>
+              <a:t>Tensão</a:t>
+            </a:r>
+          </a:p>
+          <a:p>
+            <a:pPr algn="ctr"/>
+            <a:r>
+              <a:rPr lang="pt-BR" b="1" dirty="0"/>
+              <a:t>d</a:t>
+            </a:r>
+            <a:r>
+              <a:rPr lang="pt-BR" b="1" dirty="0" smtClean="0"/>
+              <a:t>e Saída</a:t>
+            </a:r>
+          </a:p>
+          <a:p>
+            <a:pPr algn="ctr"/>
+            <a:r>
+              <a:rPr lang="pt-BR" b="1" dirty="0"/>
+              <a:t>d</a:t>
+            </a:r>
+            <a:r>
+              <a:rPr lang="pt-BR" b="1" dirty="0" smtClean="0"/>
+              <a:t>a Ponte</a:t>
+            </a:r>
+            <a:endParaRPr lang="pt-BR" b="1" dirty="0"/>
+          </a:p>
+        </p:txBody>
+      </p:sp>
+      <p:cxnSp>
+        <p:nvCxnSpPr>
+          <p:cNvPr id="27" name="Conector reto 26"/>
+          <p:cNvCxnSpPr/>
+          <p:nvPr/>
+        </p:nvCxnSpPr>
+        <p:spPr>
+          <a:xfrm rot="-1800000">
+            <a:off x="5317860" y="1460245"/>
+            <a:ext cx="825500" cy="0"/>
+          </a:xfrm>
+          <a:prstGeom prst="line">
+            <a:avLst/>
+          </a:prstGeom>
+          <a:ln w="28575">
+            <a:solidFill>
+              <a:schemeClr val="tx1"/>
+            </a:solidFill>
+            <a:prstDash val="dash"/>
+          </a:ln>
+        </p:spPr>
+        <p:style>
+          <a:lnRef idx="1">
+            <a:schemeClr val="accent1"/>
+          </a:lnRef>
+          <a:fillRef idx="0">
+            <a:schemeClr val="accent1"/>
+          </a:fillRef>
+          <a:effectRef idx="0">
+            <a:schemeClr val="accent1"/>
+          </a:effectRef>
+          <a:fontRef idx="minor">
+            <a:schemeClr val="tx1"/>
+          </a:fontRef>
+        </p:style>
+      </p:cxnSp>
+      <p:cxnSp>
+        <p:nvCxnSpPr>
+          <p:cNvPr id="28" name="Conector reto 27"/>
+          <p:cNvCxnSpPr/>
+          <p:nvPr/>
+        </p:nvCxnSpPr>
+        <p:spPr>
+          <a:xfrm>
+            <a:off x="6088062" y="1253870"/>
+            <a:ext cx="1028700" cy="0"/>
+          </a:xfrm>
+          <a:prstGeom prst="line">
+            <a:avLst/>
+          </a:prstGeom>
+          <a:ln w="19050">
+            <a:solidFill>
+              <a:schemeClr val="tx1"/>
+            </a:solidFill>
+          </a:ln>
+        </p:spPr>
+        <p:style>
+          <a:lnRef idx="1">
+            <a:schemeClr val="accent1"/>
+          </a:lnRef>
+          <a:fillRef idx="0">
+            <a:schemeClr val="accent1"/>
+          </a:fillRef>
+          <a:effectRef idx="0">
+            <a:schemeClr val="accent1"/>
+          </a:effectRef>
+          <a:fontRef idx="minor">
+            <a:schemeClr val="tx1"/>
+          </a:fontRef>
+        </p:style>
+      </p:cxnSp>
+      <p:cxnSp>
+        <p:nvCxnSpPr>
+          <p:cNvPr id="29" name="Conector reto 28"/>
+          <p:cNvCxnSpPr/>
+          <p:nvPr/>
+        </p:nvCxnSpPr>
+        <p:spPr>
+          <a:xfrm rot="1800000">
+            <a:off x="5317859" y="4257677"/>
+            <a:ext cx="825500" cy="0"/>
+          </a:xfrm>
+          <a:prstGeom prst="line">
+            <a:avLst/>
+          </a:prstGeom>
+          <a:ln w="28575">
+            <a:solidFill>
+              <a:schemeClr val="tx1"/>
+            </a:solidFill>
+            <a:prstDash val="dash"/>
+          </a:ln>
+        </p:spPr>
+        <p:style>
+          <a:lnRef idx="1">
+            <a:schemeClr val="accent1"/>
+          </a:lnRef>
+          <a:fillRef idx="0">
+            <a:schemeClr val="accent1"/>
+          </a:fillRef>
+          <a:effectRef idx="0">
+            <a:schemeClr val="accent1"/>
+          </a:effectRef>
+          <a:fontRef idx="minor">
+            <a:schemeClr val="tx1"/>
+          </a:fontRef>
+        </p:style>
+      </p:cxnSp>
+      <p:cxnSp>
+        <p:nvCxnSpPr>
+          <p:cNvPr id="30" name="Conector reto 29"/>
+          <p:cNvCxnSpPr/>
+          <p:nvPr/>
+        </p:nvCxnSpPr>
+        <p:spPr>
+          <a:xfrm>
+            <a:off x="6088061" y="4457702"/>
+            <a:ext cx="1028700" cy="0"/>
+          </a:xfrm>
+          <a:prstGeom prst="line">
+            <a:avLst/>
+          </a:prstGeom>
+          <a:ln w="19050">
+            <a:solidFill>
+              <a:schemeClr val="tx1"/>
+            </a:solidFill>
+          </a:ln>
+        </p:spPr>
+        <p:style>
+          <a:lnRef idx="1">
+            <a:schemeClr val="accent1"/>
+          </a:lnRef>
+          <a:fillRef idx="0">
+            <a:schemeClr val="accent1"/>
+          </a:fillRef>
+          <a:effectRef idx="0">
+            <a:schemeClr val="accent1"/>
+          </a:effectRef>
+          <a:fontRef idx="minor">
+            <a:schemeClr val="tx1"/>
+          </a:fontRef>
+        </p:style>
+      </p:cxnSp>
+      <p:sp>
+        <p:nvSpPr>
+          <p:cNvPr id="31" name="CaixaDeTexto 30"/>
+          <p:cNvSpPr txBox="1"/>
+          <p:nvPr/>
+        </p:nvSpPr>
+        <p:spPr>
+          <a:xfrm>
+            <a:off x="5940622" y="2105195"/>
+            <a:ext cx="1283364" cy="1477328"/>
+          </a:xfrm>
+          <a:prstGeom prst="rect">
+            <a:avLst/>
+          </a:prstGeom>
+          <a:noFill/>
+        </p:spPr>
+        <p:txBody>
+          <a:bodyPr wrap="none" rtlCol="0">
+            <a:spAutoFit/>
+          </a:bodyPr>
+          <a:lstStyle/>
+          <a:p>
+            <a:pPr algn="ctr"/>
+            <a:r>
+              <a:rPr lang="pt-BR" b="1" dirty="0" smtClean="0"/>
+              <a:t>Tensão</a:t>
+            </a:r>
+          </a:p>
+          <a:p>
+            <a:pPr algn="ctr"/>
+            <a:r>
+              <a:rPr lang="pt-BR" b="1" dirty="0"/>
+              <a:t>d</a:t>
+            </a:r>
+            <a:r>
+              <a:rPr lang="pt-BR" b="1" dirty="0" smtClean="0"/>
+              <a:t>e Saída</a:t>
+            </a:r>
+          </a:p>
+          <a:p>
+            <a:pPr algn="ctr"/>
+            <a:r>
+              <a:rPr lang="pt-BR" b="1" dirty="0"/>
+              <a:t>d</a:t>
+            </a:r>
+            <a:r>
+              <a:rPr lang="pt-BR" b="1" dirty="0" smtClean="0"/>
+              <a:t>o </a:t>
+            </a:r>
+            <a:r>
+              <a:rPr lang="pt-BR" b="1" dirty="0" err="1" smtClean="0"/>
+              <a:t>Amplif</a:t>
+            </a:r>
+            <a:r>
+              <a:rPr lang="pt-BR" b="1" dirty="0" smtClean="0"/>
+              <a:t>.</a:t>
+            </a:r>
+          </a:p>
+          <a:p>
+            <a:pPr algn="ctr"/>
+            <a:r>
+              <a:rPr lang="pt-BR" b="1" dirty="0"/>
+              <a:t>d</a:t>
+            </a:r>
+            <a:r>
+              <a:rPr lang="pt-BR" b="1" dirty="0" smtClean="0"/>
+              <a:t>e </a:t>
+            </a:r>
+            <a:r>
+              <a:rPr lang="pt-BR" b="1" dirty="0" err="1" smtClean="0"/>
+              <a:t>Instrum</a:t>
+            </a:r>
+            <a:r>
+              <a:rPr lang="pt-BR" b="1" dirty="0" smtClean="0"/>
+              <a:t>.</a:t>
+            </a:r>
+          </a:p>
+          <a:p>
+            <a:pPr algn="ctr"/>
+            <a:r>
+              <a:rPr lang="pt-BR" b="1" dirty="0" smtClean="0"/>
+              <a:t>G=29.24</a:t>
+            </a:r>
+            <a:endParaRPr lang="pt-BR" b="1" dirty="0"/>
+          </a:p>
+        </p:txBody>
+      </p:sp>
+      <p:cxnSp>
+        <p:nvCxnSpPr>
+          <p:cNvPr id="38" name="Conector reto 37"/>
+          <p:cNvCxnSpPr/>
+          <p:nvPr/>
+        </p:nvCxnSpPr>
+        <p:spPr>
+          <a:xfrm rot="-1800000">
+            <a:off x="7061463" y="1044064"/>
+            <a:ext cx="825500" cy="0"/>
+          </a:xfrm>
+          <a:prstGeom prst="line">
+            <a:avLst/>
+          </a:prstGeom>
+          <a:ln w="28575">
+            <a:solidFill>
+              <a:schemeClr val="tx1"/>
+            </a:solidFill>
+            <a:prstDash val="dash"/>
+          </a:ln>
+        </p:spPr>
+        <p:style>
+          <a:lnRef idx="1">
+            <a:schemeClr val="accent1"/>
+          </a:lnRef>
+          <a:fillRef idx="0">
+            <a:schemeClr val="accent1"/>
+          </a:fillRef>
+          <a:effectRef idx="0">
+            <a:schemeClr val="accent1"/>
+          </a:effectRef>
+          <a:fontRef idx="minor">
+            <a:schemeClr val="tx1"/>
+          </a:fontRef>
+        </p:style>
+      </p:cxnSp>
+      <p:cxnSp>
+        <p:nvCxnSpPr>
+          <p:cNvPr id="39" name="Conector reto 38"/>
+          <p:cNvCxnSpPr/>
+          <p:nvPr/>
+        </p:nvCxnSpPr>
+        <p:spPr>
+          <a:xfrm>
+            <a:off x="7831665" y="837689"/>
+            <a:ext cx="1028700" cy="0"/>
+          </a:xfrm>
+          <a:prstGeom prst="line">
+            <a:avLst/>
+          </a:prstGeom>
+          <a:ln w="19050">
+            <a:solidFill>
+              <a:schemeClr val="tx1"/>
+            </a:solidFill>
+          </a:ln>
+        </p:spPr>
+        <p:style>
+          <a:lnRef idx="1">
+            <a:schemeClr val="accent1"/>
+          </a:lnRef>
+          <a:fillRef idx="0">
+            <a:schemeClr val="accent1"/>
+          </a:fillRef>
+          <a:effectRef idx="0">
+            <a:schemeClr val="accent1"/>
+          </a:effectRef>
+          <a:fontRef idx="minor">
+            <a:schemeClr val="tx1"/>
+          </a:fontRef>
+        </p:style>
+      </p:cxnSp>
+      <p:cxnSp>
+        <p:nvCxnSpPr>
+          <p:cNvPr id="40" name="Conector reto 39"/>
+          <p:cNvCxnSpPr/>
+          <p:nvPr/>
+        </p:nvCxnSpPr>
+        <p:spPr>
+          <a:xfrm rot="1800000">
+            <a:off x="7061463" y="4664076"/>
+            <a:ext cx="825500" cy="0"/>
+          </a:xfrm>
+          <a:prstGeom prst="line">
+            <a:avLst/>
+          </a:prstGeom>
+          <a:ln w="28575">
+            <a:solidFill>
+              <a:schemeClr val="tx1"/>
+            </a:solidFill>
+            <a:prstDash val="dash"/>
+          </a:ln>
+        </p:spPr>
+        <p:style>
+          <a:lnRef idx="1">
+            <a:schemeClr val="accent1"/>
+          </a:lnRef>
+          <a:fillRef idx="0">
+            <a:schemeClr val="accent1"/>
+          </a:fillRef>
+          <a:effectRef idx="0">
+            <a:schemeClr val="accent1"/>
+          </a:effectRef>
+          <a:fontRef idx="minor">
+            <a:schemeClr val="tx1"/>
+          </a:fontRef>
+        </p:style>
+      </p:cxnSp>
+      <p:cxnSp>
+        <p:nvCxnSpPr>
+          <p:cNvPr id="41" name="Conector reto 40"/>
+          <p:cNvCxnSpPr/>
+          <p:nvPr/>
+        </p:nvCxnSpPr>
+        <p:spPr>
+          <a:xfrm>
+            <a:off x="7831665" y="4864101"/>
+            <a:ext cx="1028700" cy="0"/>
+          </a:xfrm>
+          <a:prstGeom prst="line">
+            <a:avLst/>
+          </a:prstGeom>
+          <a:ln w="19050">
+            <a:solidFill>
+              <a:schemeClr val="tx1"/>
+            </a:solidFill>
+          </a:ln>
+        </p:spPr>
+        <p:style>
+          <a:lnRef idx="1">
+            <a:schemeClr val="accent1"/>
+          </a:lnRef>
+          <a:fillRef idx="0">
+            <a:schemeClr val="accent1"/>
+          </a:fillRef>
+          <a:effectRef idx="0">
+            <a:schemeClr val="accent1"/>
+          </a:effectRef>
+          <a:fontRef idx="minor">
+            <a:schemeClr val="tx1"/>
+          </a:fontRef>
+        </p:style>
+      </p:cxnSp>
+      <p:sp>
+        <p:nvSpPr>
+          <p:cNvPr id="44" name="CaixaDeTexto 43"/>
+          <p:cNvSpPr txBox="1"/>
+          <p:nvPr/>
+        </p:nvSpPr>
+        <p:spPr>
+          <a:xfrm>
+            <a:off x="1090513" y="3190874"/>
+            <a:ext cx="529312" cy="369332"/>
+          </a:xfrm>
+          <a:prstGeom prst="rect">
+            <a:avLst/>
+          </a:prstGeom>
+          <a:noFill/>
+        </p:spPr>
+        <p:txBody>
+          <a:bodyPr wrap="none" rtlCol="0">
+            <a:spAutoFit/>
+          </a:bodyPr>
+          <a:lstStyle/>
+          <a:p>
+            <a:r>
+              <a:rPr lang="pt-BR" dirty="0" err="1" smtClean="0"/>
+              <a:t>F</a:t>
+            </a:r>
+            <a:r>
+              <a:rPr lang="pt-BR" baseline="-25000" dirty="0" err="1" smtClean="0"/>
+              <a:t>mín</a:t>
+            </a:r>
+            <a:endParaRPr lang="pt-BR" dirty="0"/>
+          </a:p>
+        </p:txBody>
+      </p:sp>
+      <p:sp>
+        <p:nvSpPr>
+          <p:cNvPr id="45" name="CaixaDeTexto 44"/>
+          <p:cNvSpPr txBox="1"/>
+          <p:nvPr/>
+        </p:nvSpPr>
+        <p:spPr>
+          <a:xfrm>
+            <a:off x="1090513" y="2124074"/>
+            <a:ext cx="553549" cy="369332"/>
+          </a:xfrm>
+          <a:prstGeom prst="rect">
+            <a:avLst/>
+          </a:prstGeom>
+          <a:noFill/>
+        </p:spPr>
+        <p:txBody>
+          <a:bodyPr wrap="none" rtlCol="0">
+            <a:spAutoFit/>
+          </a:bodyPr>
+          <a:lstStyle/>
+          <a:p>
+            <a:r>
+              <a:rPr lang="pt-BR" dirty="0" err="1" smtClean="0"/>
+              <a:t>F</a:t>
+            </a:r>
+            <a:r>
+              <a:rPr lang="pt-BR" baseline="-25000" dirty="0" err="1" smtClean="0"/>
+              <a:t>máx</a:t>
+            </a:r>
+            <a:endParaRPr lang="pt-BR" dirty="0"/>
+          </a:p>
+        </p:txBody>
+      </p:sp>
+      <p:sp>
+        <p:nvSpPr>
+          <p:cNvPr id="46" name="CaixaDeTexto 45"/>
+          <p:cNvSpPr txBox="1"/>
+          <p:nvPr/>
+        </p:nvSpPr>
+        <p:spPr>
+          <a:xfrm>
+            <a:off x="2828812" y="1680689"/>
+            <a:ext cx="572786" cy="369332"/>
+          </a:xfrm>
+          <a:prstGeom prst="rect">
+            <a:avLst/>
+          </a:prstGeom>
+          <a:noFill/>
+        </p:spPr>
+        <p:txBody>
+          <a:bodyPr wrap="none" rtlCol="0">
+            <a:spAutoFit/>
+          </a:bodyPr>
+          <a:lstStyle/>
+          <a:p>
+            <a:pPr algn="ctr"/>
+            <a:r>
+              <a:rPr lang="pt-BR" dirty="0" err="1" smtClean="0"/>
+              <a:t>R</a:t>
+            </a:r>
+            <a:r>
+              <a:rPr lang="pt-BR" baseline="-25000" dirty="0" err="1" smtClean="0"/>
+              <a:t>máx</a:t>
+            </a:r>
+            <a:endParaRPr lang="pt-BR" dirty="0"/>
+          </a:p>
+        </p:txBody>
+      </p:sp>
+      <p:sp>
+        <p:nvSpPr>
+          <p:cNvPr id="47" name="CaixaDeTexto 46"/>
+          <p:cNvSpPr txBox="1"/>
+          <p:nvPr/>
+        </p:nvSpPr>
+        <p:spPr>
+          <a:xfrm>
+            <a:off x="2840931" y="3598389"/>
+            <a:ext cx="548548" cy="369332"/>
+          </a:xfrm>
+          <a:prstGeom prst="rect">
+            <a:avLst/>
+          </a:prstGeom>
+          <a:noFill/>
+        </p:spPr>
+        <p:txBody>
+          <a:bodyPr wrap="none" rtlCol="0">
+            <a:spAutoFit/>
+          </a:bodyPr>
+          <a:lstStyle/>
+          <a:p>
+            <a:pPr algn="ctr"/>
+            <a:r>
+              <a:rPr lang="pt-BR" dirty="0" err="1" smtClean="0"/>
+              <a:t>R</a:t>
+            </a:r>
+            <a:r>
+              <a:rPr lang="pt-BR" baseline="-25000" dirty="0" err="1" smtClean="0"/>
+              <a:t>mín</a:t>
+            </a:r>
+            <a:endParaRPr lang="pt-BR" dirty="0"/>
+          </a:p>
+        </p:txBody>
+      </p:sp>
+      <p:sp>
+        <p:nvSpPr>
+          <p:cNvPr id="48" name="CaixaDeTexto 47"/>
+          <p:cNvSpPr txBox="1"/>
+          <p:nvPr/>
+        </p:nvSpPr>
+        <p:spPr>
+          <a:xfrm>
+            <a:off x="4317114" y="1271886"/>
+            <a:ext cx="1126783" cy="369332"/>
+          </a:xfrm>
+          <a:prstGeom prst="rect">
+            <a:avLst/>
+          </a:prstGeom>
+          <a:noFill/>
+        </p:spPr>
+        <p:txBody>
+          <a:bodyPr wrap="none" rtlCol="0">
+            <a:spAutoFit/>
+          </a:bodyPr>
+          <a:lstStyle/>
+          <a:p>
+            <a:pPr algn="ctr"/>
+            <a:r>
+              <a:rPr lang="pt-BR" dirty="0" err="1" smtClean="0"/>
+              <a:t>Vponte</a:t>
+            </a:r>
+            <a:r>
+              <a:rPr lang="pt-BR" baseline="-25000" dirty="0" err="1" smtClean="0"/>
+              <a:t>máx</a:t>
+            </a:r>
+            <a:endParaRPr lang="pt-BR" dirty="0"/>
+          </a:p>
+        </p:txBody>
+      </p:sp>
+      <p:sp>
+        <p:nvSpPr>
+          <p:cNvPr id="49" name="CaixaDeTexto 48"/>
+          <p:cNvSpPr txBox="1"/>
+          <p:nvPr/>
+        </p:nvSpPr>
+        <p:spPr>
+          <a:xfrm>
+            <a:off x="4329232" y="4027786"/>
+            <a:ext cx="1102546" cy="369332"/>
+          </a:xfrm>
+          <a:prstGeom prst="rect">
+            <a:avLst/>
+          </a:prstGeom>
+          <a:noFill/>
+        </p:spPr>
+        <p:txBody>
+          <a:bodyPr wrap="none" rtlCol="0">
+            <a:spAutoFit/>
+          </a:bodyPr>
+          <a:lstStyle/>
+          <a:p>
+            <a:pPr algn="ctr"/>
+            <a:r>
+              <a:rPr lang="pt-BR" dirty="0" err="1" smtClean="0"/>
+              <a:t>Vponte</a:t>
+            </a:r>
+            <a:r>
+              <a:rPr lang="pt-BR" baseline="-25000" dirty="0" err="1" smtClean="0"/>
+              <a:t>mín</a:t>
+            </a:r>
+            <a:endParaRPr lang="pt-BR" dirty="0"/>
+          </a:p>
+        </p:txBody>
+      </p:sp>
+      <p:sp>
+        <p:nvSpPr>
+          <p:cNvPr id="50" name="CaixaDeTexto 49"/>
+          <p:cNvSpPr txBox="1"/>
+          <p:nvPr/>
+        </p:nvSpPr>
+        <p:spPr>
+          <a:xfrm>
+            <a:off x="6239280" y="884539"/>
+            <a:ext cx="773546" cy="369332"/>
+          </a:xfrm>
+          <a:prstGeom prst="rect">
+            <a:avLst/>
+          </a:prstGeom>
+          <a:noFill/>
+        </p:spPr>
+        <p:txBody>
+          <a:bodyPr wrap="none" rtlCol="0">
+            <a:spAutoFit/>
+          </a:bodyPr>
+          <a:lstStyle/>
+          <a:p>
+            <a:pPr algn="ctr"/>
+            <a:r>
+              <a:rPr lang="pt-BR" dirty="0" err="1" smtClean="0"/>
+              <a:t>V</a:t>
+            </a:r>
+            <a:r>
+              <a:rPr lang="pt-BR" baseline="-25000" dirty="0" err="1" smtClean="0"/>
+              <a:t>AI_máx</a:t>
+            </a:r>
+            <a:endParaRPr lang="pt-BR" dirty="0"/>
+          </a:p>
+        </p:txBody>
+      </p:sp>
+      <p:sp>
+        <p:nvSpPr>
+          <p:cNvPr id="51" name="CaixaDeTexto 50"/>
+          <p:cNvSpPr txBox="1"/>
+          <p:nvPr/>
+        </p:nvSpPr>
+        <p:spPr>
+          <a:xfrm>
+            <a:off x="6249796" y="4453239"/>
+            <a:ext cx="752514" cy="369332"/>
+          </a:xfrm>
+          <a:prstGeom prst="rect">
+            <a:avLst/>
+          </a:prstGeom>
+          <a:noFill/>
+        </p:spPr>
+        <p:txBody>
+          <a:bodyPr wrap="none" rtlCol="0">
+            <a:spAutoFit/>
+          </a:bodyPr>
+          <a:lstStyle/>
+          <a:p>
+            <a:pPr algn="ctr"/>
+            <a:r>
+              <a:rPr lang="pt-BR" dirty="0" err="1" smtClean="0"/>
+              <a:t>V</a:t>
+            </a:r>
+            <a:r>
+              <a:rPr lang="pt-BR" baseline="-25000" dirty="0" err="1" smtClean="0"/>
+              <a:t>AI_mín</a:t>
+            </a:r>
+            <a:endParaRPr lang="pt-BR" dirty="0"/>
+          </a:p>
+        </p:txBody>
+      </p:sp>
+      <p:sp>
+        <p:nvSpPr>
+          <p:cNvPr id="53" name="CaixaDeTexto 52"/>
+          <p:cNvSpPr txBox="1"/>
+          <p:nvPr/>
+        </p:nvSpPr>
+        <p:spPr>
+          <a:xfrm>
+            <a:off x="8050806" y="442447"/>
+            <a:ext cx="590418" cy="369332"/>
+          </a:xfrm>
+          <a:prstGeom prst="rect">
+            <a:avLst/>
+          </a:prstGeom>
+          <a:noFill/>
+        </p:spPr>
+        <p:txBody>
+          <a:bodyPr wrap="none" rtlCol="0">
+            <a:spAutoFit/>
+          </a:bodyPr>
+          <a:lstStyle/>
+          <a:p>
+            <a:pPr algn="ctr"/>
+            <a:r>
+              <a:rPr lang="pt-BR" dirty="0" err="1" smtClean="0"/>
+              <a:t>D</a:t>
+            </a:r>
+            <a:r>
+              <a:rPr lang="pt-BR" baseline="-25000" dirty="0" err="1" smtClean="0"/>
+              <a:t>máx</a:t>
+            </a:r>
+            <a:endParaRPr lang="pt-BR" dirty="0"/>
+          </a:p>
+        </p:txBody>
+      </p:sp>
+      <p:sp>
+        <p:nvSpPr>
+          <p:cNvPr id="54" name="CaixaDeTexto 53"/>
+          <p:cNvSpPr txBox="1"/>
+          <p:nvPr/>
+        </p:nvSpPr>
+        <p:spPr>
+          <a:xfrm>
+            <a:off x="8062925" y="4836647"/>
+            <a:ext cx="566181" cy="369332"/>
+          </a:xfrm>
+          <a:prstGeom prst="rect">
+            <a:avLst/>
+          </a:prstGeom>
+          <a:noFill/>
+        </p:spPr>
+        <p:txBody>
+          <a:bodyPr wrap="none" rtlCol="0">
+            <a:spAutoFit/>
+          </a:bodyPr>
+          <a:lstStyle/>
+          <a:p>
+            <a:pPr algn="ctr"/>
+            <a:r>
+              <a:rPr lang="pt-BR" dirty="0" err="1" smtClean="0"/>
+              <a:t>D</a:t>
+            </a:r>
+            <a:r>
+              <a:rPr lang="pt-BR" baseline="-25000" dirty="0" err="1" smtClean="0"/>
+              <a:t>mín</a:t>
+            </a:r>
+            <a:endParaRPr lang="pt-BR" dirty="0"/>
+          </a:p>
+        </p:txBody>
+      </p:sp>
+      <p:sp>
+        <p:nvSpPr>
+          <p:cNvPr id="35" name="CaixaDeTexto 34"/>
+          <p:cNvSpPr txBox="1"/>
+          <p:nvPr/>
+        </p:nvSpPr>
+        <p:spPr>
+          <a:xfrm>
+            <a:off x="1225755" y="5997408"/>
+            <a:ext cx="6206507" cy="369332"/>
+          </a:xfrm>
+          <a:prstGeom prst="rect">
+            <a:avLst/>
+          </a:prstGeom>
+          <a:noFill/>
+        </p:spPr>
+        <p:txBody>
+          <a:bodyPr wrap="none" rtlCol="0">
+            <a:spAutoFit/>
+          </a:bodyPr>
+          <a:lstStyle/>
+          <a:p>
+            <a:r>
+              <a:rPr lang="pt-BR" dirty="0" smtClean="0"/>
+              <a:t>Cadeia de medidas experimental – Célula de carga não comercial</a:t>
+            </a:r>
+            <a:endParaRPr lang="pt-BR" dirty="0"/>
+          </a:p>
+        </p:txBody>
+      </p:sp>
+      <p:sp>
+        <p:nvSpPr>
+          <p:cNvPr id="36" name="CaixaDeTexto 35"/>
+          <p:cNvSpPr txBox="1"/>
+          <p:nvPr/>
+        </p:nvSpPr>
+        <p:spPr>
+          <a:xfrm>
+            <a:off x="1100933" y="2990682"/>
+            <a:ext cx="431529" cy="307777"/>
+          </a:xfrm>
+          <a:prstGeom prst="rect">
+            <a:avLst/>
+          </a:prstGeom>
+          <a:noFill/>
+        </p:spPr>
+        <p:txBody>
+          <a:bodyPr wrap="none" rtlCol="0">
+            <a:spAutoFit/>
+          </a:bodyPr>
+          <a:lstStyle/>
+          <a:p>
+            <a:pPr algn="ctr"/>
+            <a:r>
+              <a:rPr lang="pt-BR" sz="1400" dirty="0" smtClean="0"/>
+              <a:t>0 </a:t>
+            </a:r>
+            <a:r>
+              <a:rPr lang="pt-BR" sz="1400" i="1" dirty="0" smtClean="0"/>
+              <a:t>N</a:t>
+            </a:r>
+            <a:endParaRPr lang="pt-BR" sz="1400" dirty="0"/>
+          </a:p>
+        </p:txBody>
+      </p:sp>
+      <p:sp>
+        <p:nvSpPr>
+          <p:cNvPr id="37" name="CaixaDeTexto 36"/>
+          <p:cNvSpPr txBox="1"/>
+          <p:nvPr/>
+        </p:nvSpPr>
+        <p:spPr>
+          <a:xfrm>
+            <a:off x="1100934" y="2464902"/>
+            <a:ext cx="431528" cy="307777"/>
+          </a:xfrm>
+          <a:prstGeom prst="rect">
+            <a:avLst/>
+          </a:prstGeom>
+          <a:noFill/>
+        </p:spPr>
+        <p:txBody>
+          <a:bodyPr wrap="none" rtlCol="0">
+            <a:spAutoFit/>
+          </a:bodyPr>
+          <a:lstStyle/>
+          <a:p>
+            <a:pPr algn="ctr"/>
+            <a:r>
+              <a:rPr lang="pt-BR" sz="1400" dirty="0" smtClean="0"/>
+              <a:t>4 </a:t>
+            </a:r>
+            <a:r>
+              <a:rPr lang="pt-BR" sz="1400" i="1" dirty="0" smtClean="0"/>
+              <a:t>N</a:t>
+            </a:r>
+            <a:endParaRPr lang="pt-BR" sz="1400" dirty="0"/>
+          </a:p>
+        </p:txBody>
+      </p:sp>
+      <p:sp>
+        <p:nvSpPr>
+          <p:cNvPr id="42" name="CaixaDeTexto 41"/>
+          <p:cNvSpPr txBox="1"/>
+          <p:nvPr/>
+        </p:nvSpPr>
+        <p:spPr>
+          <a:xfrm>
+            <a:off x="2747155" y="2023589"/>
+            <a:ext cx="736100" cy="307777"/>
+          </a:xfrm>
+          <a:prstGeom prst="rect">
+            <a:avLst/>
+          </a:prstGeom>
+          <a:noFill/>
+        </p:spPr>
+        <p:txBody>
+          <a:bodyPr wrap="none" rtlCol="0">
+            <a:spAutoFit/>
+          </a:bodyPr>
+          <a:lstStyle/>
+          <a:p>
+            <a:pPr algn="ctr"/>
+            <a:r>
+              <a:rPr lang="pt-BR" sz="1400" dirty="0" smtClean="0"/>
+              <a:t>??? m</a:t>
+            </a:r>
+            <a:r>
+              <a:rPr lang="el-GR" sz="1400" dirty="0" smtClean="0"/>
+              <a:t>Ω</a:t>
+            </a:r>
+            <a:endParaRPr lang="pt-BR" sz="1400" dirty="0"/>
+          </a:p>
+        </p:txBody>
+      </p:sp>
+      <p:sp>
+        <p:nvSpPr>
+          <p:cNvPr id="52" name="CaixaDeTexto 51"/>
+          <p:cNvSpPr txBox="1"/>
+          <p:nvPr/>
+        </p:nvSpPr>
+        <p:spPr>
+          <a:xfrm>
+            <a:off x="2826504" y="3379949"/>
+            <a:ext cx="577402" cy="307777"/>
+          </a:xfrm>
+          <a:prstGeom prst="rect">
+            <a:avLst/>
+          </a:prstGeom>
+          <a:noFill/>
+        </p:spPr>
+        <p:txBody>
+          <a:bodyPr wrap="none" rtlCol="0">
+            <a:spAutoFit/>
+          </a:bodyPr>
+          <a:lstStyle/>
+          <a:p>
+            <a:pPr algn="ctr"/>
+            <a:r>
+              <a:rPr lang="pt-BR" sz="1400" dirty="0" smtClean="0"/>
+              <a:t>0 m</a:t>
+            </a:r>
+            <a:r>
+              <a:rPr lang="el-GR" sz="1400" dirty="0" smtClean="0"/>
+              <a:t>Ω</a:t>
+            </a:r>
+            <a:endParaRPr lang="pt-BR" sz="1400" dirty="0"/>
+          </a:p>
+        </p:txBody>
+      </p:sp>
+      <p:sp>
+        <p:nvSpPr>
+          <p:cNvPr id="55" name="CaixaDeTexto 54"/>
+          <p:cNvSpPr txBox="1"/>
+          <p:nvPr/>
+        </p:nvSpPr>
+        <p:spPr>
+          <a:xfrm>
+            <a:off x="4486005" y="1607166"/>
+            <a:ext cx="788999" cy="307777"/>
+          </a:xfrm>
+          <a:prstGeom prst="rect">
+            <a:avLst/>
+          </a:prstGeom>
+          <a:noFill/>
+        </p:spPr>
+        <p:txBody>
+          <a:bodyPr wrap="none" rtlCol="0">
+            <a:spAutoFit/>
+          </a:bodyPr>
+          <a:lstStyle/>
+          <a:p>
+            <a:pPr algn="ctr"/>
+            <a:r>
+              <a:rPr lang="pt-BR" sz="1400" dirty="0" smtClean="0"/>
+              <a:t>41.9 </a:t>
+            </a:r>
+            <a:r>
+              <a:rPr lang="pt-BR" sz="1400" dirty="0" err="1" smtClean="0"/>
+              <a:t>mV</a:t>
+            </a:r>
+            <a:endParaRPr lang="pt-BR" sz="1400" dirty="0"/>
+          </a:p>
+        </p:txBody>
+      </p:sp>
+      <p:sp>
+        <p:nvSpPr>
+          <p:cNvPr id="56" name="CaixaDeTexto 55"/>
+          <p:cNvSpPr txBox="1"/>
+          <p:nvPr/>
+        </p:nvSpPr>
+        <p:spPr>
+          <a:xfrm>
+            <a:off x="4486005" y="3778866"/>
+            <a:ext cx="788999" cy="307777"/>
+          </a:xfrm>
+          <a:prstGeom prst="rect">
+            <a:avLst/>
+          </a:prstGeom>
+          <a:noFill/>
+        </p:spPr>
+        <p:txBody>
+          <a:bodyPr wrap="none" rtlCol="0">
+            <a:spAutoFit/>
+          </a:bodyPr>
+          <a:lstStyle/>
+          <a:p>
+            <a:pPr algn="ctr"/>
+            <a:r>
+              <a:rPr lang="pt-BR" sz="1400" dirty="0" smtClean="0"/>
+              <a:t>43.5 </a:t>
+            </a:r>
+            <a:r>
+              <a:rPr lang="pt-BR" sz="1400" dirty="0" err="1" smtClean="0"/>
+              <a:t>mV</a:t>
+            </a:r>
+            <a:endParaRPr lang="pt-BR" sz="1400" dirty="0"/>
+          </a:p>
+        </p:txBody>
+      </p:sp>
+      <p:sp>
+        <p:nvSpPr>
+          <p:cNvPr id="57" name="CaixaDeTexto 56"/>
+          <p:cNvSpPr txBox="1"/>
+          <p:nvPr/>
+        </p:nvSpPr>
+        <p:spPr>
+          <a:xfrm>
+            <a:off x="6302887" y="1219819"/>
+            <a:ext cx="646332" cy="307777"/>
+          </a:xfrm>
+          <a:prstGeom prst="rect">
+            <a:avLst/>
+          </a:prstGeom>
+          <a:noFill/>
+        </p:spPr>
+        <p:txBody>
+          <a:bodyPr wrap="none" rtlCol="0">
+            <a:spAutoFit/>
+          </a:bodyPr>
+          <a:lstStyle/>
+          <a:p>
+            <a:pPr algn="ctr"/>
+            <a:r>
+              <a:rPr lang="pt-BR" sz="1400" dirty="0" smtClean="0"/>
+              <a:t>1.22 V</a:t>
+            </a:r>
+            <a:endParaRPr lang="pt-BR" sz="1400" dirty="0"/>
+          </a:p>
+        </p:txBody>
+      </p:sp>
+      <p:sp>
+        <p:nvSpPr>
+          <p:cNvPr id="58" name="CaixaDeTexto 57"/>
+          <p:cNvSpPr txBox="1"/>
+          <p:nvPr/>
+        </p:nvSpPr>
+        <p:spPr>
+          <a:xfrm>
+            <a:off x="6302887" y="4183999"/>
+            <a:ext cx="646332" cy="307777"/>
+          </a:xfrm>
+          <a:prstGeom prst="rect">
+            <a:avLst/>
+          </a:prstGeom>
+          <a:noFill/>
+        </p:spPr>
+        <p:txBody>
+          <a:bodyPr wrap="none" rtlCol="0">
+            <a:spAutoFit/>
+          </a:bodyPr>
+          <a:lstStyle/>
+          <a:p>
+            <a:pPr algn="ctr"/>
+            <a:r>
+              <a:rPr lang="pt-BR" sz="1400" dirty="0" smtClean="0"/>
+              <a:t>1.27 V</a:t>
+            </a:r>
+            <a:endParaRPr lang="pt-BR" sz="1400" dirty="0"/>
+          </a:p>
+        </p:txBody>
+      </p:sp>
+      <p:sp>
+        <p:nvSpPr>
+          <p:cNvPr id="60" name="CaixaDeTexto 59"/>
+          <p:cNvSpPr txBox="1"/>
+          <p:nvPr/>
+        </p:nvSpPr>
+        <p:spPr>
+          <a:xfrm>
+            <a:off x="7977967" y="4569947"/>
+            <a:ext cx="736100" cy="307777"/>
+          </a:xfrm>
+          <a:prstGeom prst="rect">
+            <a:avLst/>
+          </a:prstGeom>
+          <a:noFill/>
+        </p:spPr>
+        <p:txBody>
+          <a:bodyPr wrap="none" rtlCol="0">
+            <a:spAutoFit/>
+          </a:bodyPr>
+          <a:lstStyle/>
+          <a:p>
+            <a:pPr algn="ctr"/>
+            <a:r>
+              <a:rPr lang="pt-BR" sz="1400" dirty="0" smtClean="0"/>
+              <a:t>0h2827</a:t>
+            </a:r>
+            <a:endParaRPr lang="pt-BR" sz="1400" dirty="0"/>
+          </a:p>
+        </p:txBody>
+      </p:sp>
+      <p:sp>
+        <p:nvSpPr>
+          <p:cNvPr id="61" name="CaixaDeTexto 60"/>
+          <p:cNvSpPr txBox="1"/>
+          <p:nvPr/>
+        </p:nvSpPr>
+        <p:spPr>
+          <a:xfrm>
+            <a:off x="7963253" y="848847"/>
+            <a:ext cx="765531" cy="307777"/>
+          </a:xfrm>
+          <a:prstGeom prst="rect">
+            <a:avLst/>
+          </a:prstGeom>
+          <a:noFill/>
+        </p:spPr>
+        <p:txBody>
+          <a:bodyPr wrap="none" rtlCol="0">
+            <a:spAutoFit/>
+          </a:bodyPr>
+          <a:lstStyle/>
+          <a:p>
+            <a:pPr algn="ctr"/>
+            <a:r>
+              <a:rPr lang="pt-BR" sz="1400" dirty="0" smtClean="0"/>
+              <a:t>0h27DA</a:t>
+            </a:r>
+            <a:endParaRPr lang="pt-BR" sz="1400" dirty="0"/>
+          </a:p>
+        </p:txBody>
+      </p:sp>
+      <p:sp>
+        <p:nvSpPr>
+          <p:cNvPr id="59" name="CaixaDeTexto 58"/>
+          <p:cNvSpPr txBox="1"/>
+          <p:nvPr/>
+        </p:nvSpPr>
+        <p:spPr>
+          <a:xfrm>
+            <a:off x="7876342" y="2377559"/>
+            <a:ext cx="960520" cy="923330"/>
+          </a:xfrm>
+          <a:prstGeom prst="rect">
+            <a:avLst/>
+          </a:prstGeom>
+          <a:noFill/>
+        </p:spPr>
+        <p:txBody>
+          <a:bodyPr wrap="none" rtlCol="0">
+            <a:spAutoFit/>
+          </a:bodyPr>
+          <a:lstStyle/>
+          <a:p>
+            <a:pPr algn="ctr"/>
+            <a:r>
+              <a:rPr lang="pt-BR" b="1" dirty="0" smtClean="0"/>
+              <a:t>ADC</a:t>
+            </a:r>
+          </a:p>
+          <a:p>
+            <a:pPr algn="ctr"/>
+            <a:r>
+              <a:rPr lang="pt-BR" b="1" dirty="0" smtClean="0"/>
+              <a:t>14 bits</a:t>
+            </a:r>
+          </a:p>
+          <a:p>
+            <a:pPr algn="ctr"/>
+            <a:r>
+              <a:rPr lang="pt-BR" b="1" dirty="0" smtClean="0"/>
+              <a:t>-5 a +5V</a:t>
+            </a:r>
+          </a:p>
+        </p:txBody>
+      </p:sp>
+    </p:spTree>
+    <p:extLst>
+      <p:ext uri="{BB962C8B-B14F-4D97-AF65-F5344CB8AC3E}">
+        <p14:creationId xmlns:p14="http://schemas.microsoft.com/office/powerpoint/2010/main" val="2338431779"/>
+      </p:ext>
+    </p:extLst>
+  </p:cSld>
+  <p:clrMapOvr>
+    <a:masterClrMapping/>
+  </p:clrMapOvr>
+</p:sld>
+</file>
+
+<file path=ppt/slides/slide9.xml><?xml version="1.0" encoding="utf-8"?>
+<p:sld xmlns:a="http://schemas.openxmlformats.org/drawingml/2006/main" xmlns:r="http://schemas.openxmlformats.org/officeDocument/2006/relationships" xmlns:p="http://schemas.openxmlformats.org/presentationml/2006/main">
+  <p:cSld>
+    <p:spTree>
+      <p:nvGrpSpPr>
+        <p:cNvPr id="1" name=""/>
+        <p:cNvGrpSpPr/>
+        <p:nvPr/>
+      </p:nvGrpSpPr>
+      <p:grpSpPr>
+        <a:xfrm>
+          <a:off x="0" y="0"/>
+          <a:ext cx="0" cy="0"/>
+          <a:chOff x="0" y="0"/>
+          <a:chExt cx="0" cy="0"/>
+        </a:xfrm>
+      </p:grpSpPr>
+      <p:cxnSp>
+        <p:nvCxnSpPr>
+          <p:cNvPr id="4" name="Conector reto 3"/>
+          <p:cNvCxnSpPr/>
+          <p:nvPr/>
+        </p:nvCxnSpPr>
+        <p:spPr>
+          <a:xfrm>
+            <a:off x="857250" y="2495550"/>
+            <a:ext cx="1028700" cy="0"/>
+          </a:xfrm>
+          <a:prstGeom prst="line">
+            <a:avLst/>
+          </a:prstGeom>
+          <a:ln w="19050">
+            <a:solidFill>
+              <a:schemeClr val="tx1"/>
+            </a:solidFill>
+          </a:ln>
+        </p:spPr>
+        <p:style>
+          <a:lnRef idx="1">
+            <a:schemeClr val="accent1"/>
+          </a:lnRef>
+          <a:fillRef idx="0">
+            <a:schemeClr val="accent1"/>
+          </a:fillRef>
+          <a:effectRef idx="0">
+            <a:schemeClr val="accent1"/>
+          </a:effectRef>
+          <a:fontRef idx="minor">
+            <a:schemeClr val="tx1"/>
+          </a:fontRef>
+        </p:style>
+      </p:cxnSp>
+      <p:cxnSp>
+        <p:nvCxnSpPr>
+          <p:cNvPr id="5" name="Conector reto 4"/>
+          <p:cNvCxnSpPr/>
+          <p:nvPr/>
+        </p:nvCxnSpPr>
+        <p:spPr>
+          <a:xfrm>
+            <a:off x="857250" y="3238500"/>
+            <a:ext cx="1028700" cy="0"/>
+          </a:xfrm>
+          <a:prstGeom prst="line">
+            <a:avLst/>
+          </a:prstGeom>
+          <a:ln w="19050">
+            <a:solidFill>
+              <a:schemeClr val="tx1"/>
+            </a:solidFill>
+          </a:ln>
+        </p:spPr>
+        <p:style>
+          <a:lnRef idx="1">
+            <a:schemeClr val="accent1"/>
+          </a:lnRef>
+          <a:fillRef idx="0">
+            <a:schemeClr val="accent1"/>
+          </a:fillRef>
+          <a:effectRef idx="0">
+            <a:schemeClr val="accent1"/>
+          </a:effectRef>
+          <a:fontRef idx="minor">
+            <a:schemeClr val="tx1"/>
+          </a:fontRef>
+        </p:style>
+      </p:cxnSp>
+      <p:cxnSp>
+        <p:nvCxnSpPr>
+          <p:cNvPr id="6" name="Conector reto 5"/>
+          <p:cNvCxnSpPr/>
+          <p:nvPr/>
+        </p:nvCxnSpPr>
+        <p:spPr>
+          <a:xfrm rot="-1800000">
+            <a:off x="1830652" y="2289175"/>
+            <a:ext cx="825500" cy="0"/>
+          </a:xfrm>
+          <a:prstGeom prst="line">
+            <a:avLst/>
+          </a:prstGeom>
+          <a:ln w="28575">
+            <a:solidFill>
+              <a:schemeClr val="tx1"/>
+            </a:solidFill>
+            <a:prstDash val="dash"/>
+          </a:ln>
+        </p:spPr>
+        <p:style>
+          <a:lnRef idx="1">
+            <a:schemeClr val="accent1"/>
+          </a:lnRef>
+          <a:fillRef idx="0">
+            <a:schemeClr val="accent1"/>
+          </a:fillRef>
+          <a:effectRef idx="0">
+            <a:schemeClr val="accent1"/>
+          </a:effectRef>
+          <a:fontRef idx="minor">
+            <a:schemeClr val="tx1"/>
+          </a:fontRef>
+        </p:style>
+      </p:cxnSp>
+      <p:cxnSp>
+        <p:nvCxnSpPr>
+          <p:cNvPr id="7" name="Conector reto 6"/>
+          <p:cNvCxnSpPr/>
+          <p:nvPr/>
+        </p:nvCxnSpPr>
+        <p:spPr>
+          <a:xfrm rot="1800000">
+            <a:off x="1830652" y="3444875"/>
+            <a:ext cx="825500" cy="0"/>
+          </a:xfrm>
+          <a:prstGeom prst="line">
+            <a:avLst/>
+          </a:prstGeom>
+          <a:ln w="28575">
+            <a:solidFill>
+              <a:schemeClr val="tx1"/>
+            </a:solidFill>
+            <a:prstDash val="dash"/>
+          </a:ln>
+        </p:spPr>
+        <p:style>
+          <a:lnRef idx="1">
+            <a:schemeClr val="accent1"/>
+          </a:lnRef>
+          <a:fillRef idx="0">
+            <a:schemeClr val="accent1"/>
+          </a:fillRef>
+          <a:effectRef idx="0">
+            <a:schemeClr val="accent1"/>
+          </a:effectRef>
+          <a:fontRef idx="minor">
+            <a:schemeClr val="tx1"/>
+          </a:fontRef>
+        </p:style>
+      </p:cxnSp>
+      <p:cxnSp>
+        <p:nvCxnSpPr>
+          <p:cNvPr id="8" name="Conector reto 7"/>
+          <p:cNvCxnSpPr/>
+          <p:nvPr/>
+        </p:nvCxnSpPr>
+        <p:spPr>
+          <a:xfrm>
+            <a:off x="2600854" y="2082800"/>
+            <a:ext cx="1028700" cy="0"/>
+          </a:xfrm>
+          <a:prstGeom prst="line">
+            <a:avLst/>
+          </a:prstGeom>
+          <a:ln w="19050">
+            <a:solidFill>
+              <a:schemeClr val="tx1"/>
+            </a:solidFill>
+          </a:ln>
+        </p:spPr>
+        <p:style>
+          <a:lnRef idx="1">
+            <a:schemeClr val="accent1"/>
+          </a:lnRef>
+          <a:fillRef idx="0">
+            <a:schemeClr val="accent1"/>
+          </a:fillRef>
+          <a:effectRef idx="0">
+            <a:schemeClr val="accent1"/>
+          </a:effectRef>
+          <a:fontRef idx="minor">
+            <a:schemeClr val="tx1"/>
+          </a:fontRef>
+        </p:style>
+      </p:cxnSp>
+      <p:cxnSp>
+        <p:nvCxnSpPr>
+          <p:cNvPr id="9" name="Conector reto 8"/>
+          <p:cNvCxnSpPr/>
+          <p:nvPr/>
+        </p:nvCxnSpPr>
+        <p:spPr>
+          <a:xfrm>
+            <a:off x="2600854" y="3644900"/>
+            <a:ext cx="1028700" cy="0"/>
+          </a:xfrm>
+          <a:prstGeom prst="line">
+            <a:avLst/>
+          </a:prstGeom>
+          <a:ln w="19050">
+            <a:solidFill>
+              <a:schemeClr val="tx1"/>
+            </a:solidFill>
+          </a:ln>
+        </p:spPr>
+        <p:style>
+          <a:lnRef idx="1">
+            <a:schemeClr val="accent1"/>
+          </a:lnRef>
+          <a:fillRef idx="0">
+            <a:schemeClr val="accent1"/>
+          </a:fillRef>
+          <a:effectRef idx="0">
+            <a:schemeClr val="accent1"/>
+          </a:effectRef>
+          <a:fontRef idx="minor">
+            <a:schemeClr val="tx1"/>
+          </a:fontRef>
+        </p:style>
+      </p:cxnSp>
+      <p:cxnSp>
+        <p:nvCxnSpPr>
+          <p:cNvPr id="10" name="Conector reto 9"/>
+          <p:cNvCxnSpPr/>
+          <p:nvPr/>
+        </p:nvCxnSpPr>
+        <p:spPr>
+          <a:xfrm rot="-1800000">
+            <a:off x="3574256" y="1870076"/>
+            <a:ext cx="825500" cy="0"/>
+          </a:xfrm>
+          <a:prstGeom prst="line">
+            <a:avLst/>
+          </a:prstGeom>
+          <a:ln w="28575">
+            <a:solidFill>
+              <a:schemeClr val="tx1"/>
+            </a:solidFill>
+            <a:prstDash val="dash"/>
+          </a:ln>
+        </p:spPr>
+        <p:style>
+          <a:lnRef idx="1">
+            <a:schemeClr val="accent1"/>
+          </a:lnRef>
+          <a:fillRef idx="0">
+            <a:schemeClr val="accent1"/>
+          </a:fillRef>
+          <a:effectRef idx="0">
+            <a:schemeClr val="accent1"/>
+          </a:effectRef>
+          <a:fontRef idx="minor">
+            <a:schemeClr val="tx1"/>
+          </a:fontRef>
+        </p:style>
+      </p:cxnSp>
+      <p:cxnSp>
+        <p:nvCxnSpPr>
+          <p:cNvPr id="11" name="Conector reto 10"/>
+          <p:cNvCxnSpPr/>
+          <p:nvPr/>
+        </p:nvCxnSpPr>
+        <p:spPr>
+          <a:xfrm>
+            <a:off x="4344458" y="1663701"/>
+            <a:ext cx="1028700" cy="0"/>
+          </a:xfrm>
+          <a:prstGeom prst="line">
+            <a:avLst/>
+          </a:prstGeom>
+          <a:ln w="19050">
+            <a:solidFill>
+              <a:schemeClr val="tx1"/>
+            </a:solidFill>
+          </a:ln>
+        </p:spPr>
+        <p:style>
+          <a:lnRef idx="1">
+            <a:schemeClr val="accent1"/>
+          </a:lnRef>
+          <a:fillRef idx="0">
+            <a:schemeClr val="accent1"/>
+          </a:fillRef>
+          <a:effectRef idx="0">
+            <a:schemeClr val="accent1"/>
+          </a:effectRef>
+          <a:fontRef idx="minor">
+            <a:schemeClr val="tx1"/>
+          </a:fontRef>
+        </p:style>
+      </p:cxnSp>
+      <p:cxnSp>
+        <p:nvCxnSpPr>
+          <p:cNvPr id="12" name="Conector reto 11"/>
+          <p:cNvCxnSpPr/>
+          <p:nvPr/>
+        </p:nvCxnSpPr>
+        <p:spPr>
+          <a:xfrm rot="1800000">
+            <a:off x="3574256" y="3851275"/>
+            <a:ext cx="825500" cy="0"/>
+          </a:xfrm>
+          <a:prstGeom prst="line">
+            <a:avLst/>
+          </a:prstGeom>
+          <a:ln w="28575">
+            <a:solidFill>
+              <a:schemeClr val="tx1"/>
+            </a:solidFill>
+            <a:prstDash val="dash"/>
+          </a:ln>
+        </p:spPr>
+        <p:style>
+          <a:lnRef idx="1">
+            <a:schemeClr val="accent1"/>
+          </a:lnRef>
+          <a:fillRef idx="0">
+            <a:schemeClr val="accent1"/>
+          </a:fillRef>
+          <a:effectRef idx="0">
+            <a:schemeClr val="accent1"/>
+          </a:effectRef>
+          <a:fontRef idx="minor">
+            <a:schemeClr val="tx1"/>
+          </a:fontRef>
+        </p:style>
+      </p:cxnSp>
+      <p:cxnSp>
+        <p:nvCxnSpPr>
+          <p:cNvPr id="13" name="Conector reto 12"/>
+          <p:cNvCxnSpPr/>
+          <p:nvPr/>
+        </p:nvCxnSpPr>
+        <p:spPr>
+          <a:xfrm>
+            <a:off x="4344458" y="4051300"/>
+            <a:ext cx="1028700" cy="0"/>
+          </a:xfrm>
+          <a:prstGeom prst="line">
+            <a:avLst/>
+          </a:prstGeom>
+          <a:ln w="19050">
+            <a:solidFill>
+              <a:schemeClr val="tx1"/>
+            </a:solidFill>
+          </a:ln>
+        </p:spPr>
+        <p:style>
+          <a:lnRef idx="1">
+            <a:schemeClr val="accent1"/>
+          </a:lnRef>
+          <a:fillRef idx="0">
+            <a:schemeClr val="accent1"/>
+          </a:fillRef>
+          <a:effectRef idx="0">
+            <a:schemeClr val="accent1"/>
+          </a:effectRef>
+          <a:fontRef idx="minor">
+            <a:schemeClr val="tx1"/>
+          </a:fontRef>
+        </p:style>
+      </p:cxnSp>
+      <p:sp>
+        <p:nvSpPr>
+          <p:cNvPr id="14" name="CaixaDeTexto 13"/>
+          <p:cNvSpPr txBox="1"/>
+          <p:nvPr/>
+        </p:nvSpPr>
+        <p:spPr>
+          <a:xfrm>
+            <a:off x="950009" y="2682359"/>
+            <a:ext cx="843181" cy="369332"/>
+          </a:xfrm>
+          <a:prstGeom prst="rect">
+            <a:avLst/>
+          </a:prstGeom>
+          <a:noFill/>
+        </p:spPr>
+        <p:txBody>
+          <a:bodyPr wrap="none" rtlCol="0">
+            <a:spAutoFit/>
+          </a:bodyPr>
+          <a:lstStyle/>
+          <a:p>
+            <a:pPr algn="ctr"/>
+            <a:r>
+              <a:rPr lang="pt-BR" b="1" dirty="0" smtClean="0"/>
+              <a:t>Torque</a:t>
+            </a:r>
+            <a:endParaRPr lang="pt-BR" b="1" dirty="0"/>
+          </a:p>
+        </p:txBody>
+      </p:sp>
+      <p:sp>
+        <p:nvSpPr>
+          <p:cNvPr id="15" name="CaixaDeTexto 14"/>
+          <p:cNvSpPr txBox="1"/>
+          <p:nvPr/>
+        </p:nvSpPr>
+        <p:spPr>
+          <a:xfrm>
+            <a:off x="2695858" y="2524295"/>
+            <a:ext cx="838691" cy="646331"/>
+          </a:xfrm>
+          <a:prstGeom prst="rect">
+            <a:avLst/>
+          </a:prstGeom>
+          <a:noFill/>
+        </p:spPr>
+        <p:txBody>
+          <a:bodyPr wrap="none" rtlCol="0">
+            <a:spAutoFit/>
+          </a:bodyPr>
+          <a:lstStyle/>
+          <a:p>
+            <a:pPr algn="ctr"/>
+            <a:r>
+              <a:rPr lang="el-GR" b="1" dirty="0" smtClean="0"/>
+              <a:t>Δ</a:t>
+            </a:r>
+            <a:r>
+              <a:rPr lang="pt-BR" b="1" dirty="0" smtClean="0"/>
+              <a:t>R dos</a:t>
+            </a:r>
+          </a:p>
+          <a:p>
+            <a:pPr algn="ctr"/>
+            <a:r>
+              <a:rPr lang="pt-BR" b="1" dirty="0" err="1" smtClean="0"/>
+              <a:t>SGs</a:t>
+            </a:r>
+            <a:endParaRPr lang="pt-BR" b="1" dirty="0"/>
+          </a:p>
+        </p:txBody>
+      </p:sp>
+      <p:sp>
+        <p:nvSpPr>
+          <p:cNvPr id="16" name="CaixaDeTexto 15"/>
+          <p:cNvSpPr txBox="1"/>
+          <p:nvPr/>
+        </p:nvSpPr>
+        <p:spPr>
+          <a:xfrm>
+            <a:off x="4353276" y="2384595"/>
+            <a:ext cx="1054456" cy="923330"/>
+          </a:xfrm>
+          <a:prstGeom prst="rect">
+            <a:avLst/>
+          </a:prstGeom>
+          <a:noFill/>
+        </p:spPr>
+        <p:txBody>
+          <a:bodyPr wrap="none" rtlCol="0">
+            <a:spAutoFit/>
+          </a:bodyPr>
+          <a:lstStyle/>
+          <a:p>
+            <a:pPr algn="ctr"/>
+            <a:r>
+              <a:rPr lang="pt-BR" b="1" dirty="0" smtClean="0"/>
+              <a:t>Tensão</a:t>
+            </a:r>
+          </a:p>
+          <a:p>
+            <a:pPr algn="ctr"/>
+            <a:r>
+              <a:rPr lang="pt-BR" b="1" dirty="0"/>
+              <a:t>d</a:t>
+            </a:r>
+            <a:r>
+              <a:rPr lang="pt-BR" b="1" dirty="0" smtClean="0"/>
+              <a:t>e Saída</a:t>
+            </a:r>
+          </a:p>
+          <a:p>
+            <a:pPr algn="ctr"/>
+            <a:r>
+              <a:rPr lang="pt-BR" b="1" dirty="0"/>
+              <a:t>d</a:t>
+            </a:r>
+            <a:r>
+              <a:rPr lang="pt-BR" b="1" dirty="0" smtClean="0"/>
+              <a:t>a Ponte</a:t>
+            </a:r>
+            <a:endParaRPr lang="pt-BR" b="1" dirty="0"/>
+          </a:p>
+        </p:txBody>
+      </p:sp>
+      <p:sp>
+        <p:nvSpPr>
+          <p:cNvPr id="27" name="CaixaDeTexto 26"/>
+          <p:cNvSpPr txBox="1"/>
+          <p:nvPr/>
+        </p:nvSpPr>
+        <p:spPr>
+          <a:xfrm>
+            <a:off x="1090513" y="3190874"/>
+            <a:ext cx="529312" cy="369332"/>
+          </a:xfrm>
+          <a:prstGeom prst="rect">
+            <a:avLst/>
+          </a:prstGeom>
+          <a:noFill/>
+        </p:spPr>
+        <p:txBody>
+          <a:bodyPr wrap="none" rtlCol="0">
+            <a:spAutoFit/>
+          </a:bodyPr>
+          <a:lstStyle/>
+          <a:p>
+            <a:r>
+              <a:rPr lang="pt-BR" dirty="0" err="1" smtClean="0"/>
+              <a:t>T</a:t>
+            </a:r>
+            <a:r>
+              <a:rPr lang="pt-BR" baseline="-25000" dirty="0" err="1" smtClean="0"/>
+              <a:t>mín</a:t>
+            </a:r>
+            <a:endParaRPr lang="pt-BR" dirty="0"/>
+          </a:p>
+        </p:txBody>
+      </p:sp>
+      <p:sp>
+        <p:nvSpPr>
+          <p:cNvPr id="28" name="CaixaDeTexto 27"/>
+          <p:cNvSpPr txBox="1"/>
+          <p:nvPr/>
+        </p:nvSpPr>
+        <p:spPr>
+          <a:xfrm>
+            <a:off x="1090513" y="2124074"/>
+            <a:ext cx="553549" cy="369332"/>
+          </a:xfrm>
+          <a:prstGeom prst="rect">
+            <a:avLst/>
+          </a:prstGeom>
+          <a:noFill/>
+        </p:spPr>
+        <p:txBody>
+          <a:bodyPr wrap="none" rtlCol="0">
+            <a:spAutoFit/>
+          </a:bodyPr>
+          <a:lstStyle/>
+          <a:p>
+            <a:r>
+              <a:rPr lang="pt-BR" dirty="0" err="1" smtClean="0"/>
+              <a:t>T</a:t>
+            </a:r>
+            <a:r>
+              <a:rPr lang="pt-BR" baseline="-25000" dirty="0" err="1" smtClean="0"/>
+              <a:t>máx</a:t>
+            </a:r>
+            <a:endParaRPr lang="pt-BR" dirty="0"/>
+          </a:p>
+        </p:txBody>
+      </p:sp>
+      <p:sp>
+        <p:nvSpPr>
+          <p:cNvPr id="29" name="CaixaDeTexto 28"/>
+          <p:cNvSpPr txBox="1"/>
+          <p:nvPr/>
+        </p:nvSpPr>
+        <p:spPr>
+          <a:xfrm>
+            <a:off x="2828812" y="1680689"/>
+            <a:ext cx="572786" cy="369332"/>
+          </a:xfrm>
+          <a:prstGeom prst="rect">
+            <a:avLst/>
+          </a:prstGeom>
+          <a:noFill/>
+        </p:spPr>
+        <p:txBody>
+          <a:bodyPr wrap="none" rtlCol="0">
+            <a:spAutoFit/>
+          </a:bodyPr>
+          <a:lstStyle/>
+          <a:p>
+            <a:pPr algn="ctr"/>
+            <a:r>
+              <a:rPr lang="pt-BR" dirty="0" err="1" smtClean="0"/>
+              <a:t>R</a:t>
+            </a:r>
+            <a:r>
+              <a:rPr lang="pt-BR" baseline="-25000" dirty="0" err="1" smtClean="0"/>
+              <a:t>máx</a:t>
+            </a:r>
+            <a:endParaRPr lang="pt-BR" dirty="0"/>
+          </a:p>
+        </p:txBody>
+      </p:sp>
+      <p:sp>
+        <p:nvSpPr>
+          <p:cNvPr id="30" name="CaixaDeTexto 29"/>
+          <p:cNvSpPr txBox="1"/>
+          <p:nvPr/>
+        </p:nvSpPr>
+        <p:spPr>
+          <a:xfrm>
+            <a:off x="2840931" y="3598389"/>
+            <a:ext cx="548548" cy="369332"/>
+          </a:xfrm>
+          <a:prstGeom prst="rect">
+            <a:avLst/>
+          </a:prstGeom>
+          <a:noFill/>
+        </p:spPr>
+        <p:txBody>
+          <a:bodyPr wrap="none" rtlCol="0">
+            <a:spAutoFit/>
+          </a:bodyPr>
+          <a:lstStyle/>
+          <a:p>
+            <a:pPr algn="ctr"/>
+            <a:r>
+              <a:rPr lang="pt-BR" dirty="0" err="1" smtClean="0"/>
+              <a:t>R</a:t>
+            </a:r>
+            <a:r>
+              <a:rPr lang="pt-BR" baseline="-25000" dirty="0" err="1" smtClean="0"/>
+              <a:t>mín</a:t>
+            </a:r>
+            <a:endParaRPr lang="pt-BR" dirty="0"/>
+          </a:p>
+        </p:txBody>
+      </p:sp>
+      <p:sp>
+        <p:nvSpPr>
+          <p:cNvPr id="31" name="CaixaDeTexto 30"/>
+          <p:cNvSpPr txBox="1"/>
+          <p:nvPr/>
+        </p:nvSpPr>
+        <p:spPr>
+          <a:xfrm>
+            <a:off x="4317114" y="1271886"/>
+            <a:ext cx="1126783" cy="369332"/>
+          </a:xfrm>
+          <a:prstGeom prst="rect">
+            <a:avLst/>
+          </a:prstGeom>
+          <a:noFill/>
+        </p:spPr>
+        <p:txBody>
+          <a:bodyPr wrap="none" rtlCol="0">
+            <a:spAutoFit/>
+          </a:bodyPr>
+          <a:lstStyle/>
+          <a:p>
+            <a:pPr algn="ctr"/>
+            <a:r>
+              <a:rPr lang="pt-BR" dirty="0" err="1" smtClean="0"/>
+              <a:t>Vponte</a:t>
+            </a:r>
+            <a:r>
+              <a:rPr lang="pt-BR" baseline="-25000" dirty="0" err="1" smtClean="0"/>
+              <a:t>máx</a:t>
+            </a:r>
+            <a:endParaRPr lang="pt-BR" dirty="0"/>
+          </a:p>
+        </p:txBody>
+      </p:sp>
+      <p:sp>
+        <p:nvSpPr>
+          <p:cNvPr id="32" name="CaixaDeTexto 31"/>
+          <p:cNvSpPr txBox="1"/>
+          <p:nvPr/>
+        </p:nvSpPr>
+        <p:spPr>
+          <a:xfrm>
+            <a:off x="4329232" y="4027786"/>
+            <a:ext cx="1102546" cy="369332"/>
+          </a:xfrm>
+          <a:prstGeom prst="rect">
+            <a:avLst/>
+          </a:prstGeom>
+          <a:noFill/>
+        </p:spPr>
+        <p:txBody>
+          <a:bodyPr wrap="none" rtlCol="0">
+            <a:spAutoFit/>
+          </a:bodyPr>
+          <a:lstStyle/>
+          <a:p>
+            <a:pPr algn="ctr"/>
+            <a:r>
+              <a:rPr lang="pt-BR" dirty="0" err="1" smtClean="0"/>
+              <a:t>Vponte</a:t>
+            </a:r>
+            <a:r>
+              <a:rPr lang="pt-BR" baseline="-25000" dirty="0" err="1" smtClean="0"/>
+              <a:t>mín</a:t>
+            </a:r>
+            <a:endParaRPr lang="pt-BR" dirty="0"/>
+          </a:p>
+        </p:txBody>
+      </p:sp>
+      <p:sp>
+        <p:nvSpPr>
+          <p:cNvPr id="21" name="CaixaDeTexto 20"/>
+          <p:cNvSpPr txBox="1"/>
+          <p:nvPr/>
+        </p:nvSpPr>
+        <p:spPr>
+          <a:xfrm>
+            <a:off x="1225755" y="5997408"/>
+            <a:ext cx="4632871" cy="369332"/>
+          </a:xfrm>
+          <a:prstGeom prst="rect">
+            <a:avLst/>
+          </a:prstGeom>
+          <a:noFill/>
+        </p:spPr>
+        <p:txBody>
+          <a:bodyPr wrap="none" rtlCol="0">
+            <a:spAutoFit/>
+          </a:bodyPr>
+          <a:lstStyle/>
+          <a:p>
+            <a:r>
+              <a:rPr lang="pt-BR" dirty="0" smtClean="0"/>
+              <a:t>Cadeia de medidas experimental – </a:t>
+            </a:r>
+            <a:r>
+              <a:rPr lang="pt-BR" dirty="0" err="1" smtClean="0"/>
+              <a:t>Torquímetro</a:t>
+            </a:r>
+            <a:endParaRPr lang="pt-BR" dirty="0"/>
+          </a:p>
+        </p:txBody>
+      </p:sp>
+      <p:sp>
+        <p:nvSpPr>
+          <p:cNvPr id="22" name="CaixaDeTexto 21"/>
+          <p:cNvSpPr txBox="1"/>
+          <p:nvPr/>
+        </p:nvSpPr>
+        <p:spPr>
+          <a:xfrm>
+            <a:off x="1024226" y="2968624"/>
+            <a:ext cx="656398" cy="307777"/>
+          </a:xfrm>
+          <a:prstGeom prst="rect">
+            <a:avLst/>
+          </a:prstGeom>
+          <a:noFill/>
+        </p:spPr>
+        <p:txBody>
+          <a:bodyPr wrap="none" rtlCol="0">
+            <a:spAutoFit/>
+          </a:bodyPr>
+          <a:lstStyle/>
+          <a:p>
+            <a:pPr algn="ctr"/>
+            <a:r>
+              <a:rPr lang="pt-BR" sz="1400" dirty="0" smtClean="0"/>
+              <a:t>0 </a:t>
+            </a:r>
+            <a:r>
+              <a:rPr lang="pt-BR" sz="1400" i="1" dirty="0" err="1" smtClean="0"/>
+              <a:t>lbf.ft</a:t>
+            </a:r>
+            <a:endParaRPr lang="pt-BR" sz="1400" dirty="0"/>
+          </a:p>
+        </p:txBody>
+      </p:sp>
+      <p:sp>
+        <p:nvSpPr>
+          <p:cNvPr id="23" name="CaixaDeTexto 22"/>
+          <p:cNvSpPr txBox="1"/>
+          <p:nvPr/>
+        </p:nvSpPr>
+        <p:spPr>
+          <a:xfrm>
+            <a:off x="978541" y="2441574"/>
+            <a:ext cx="747769" cy="307777"/>
+          </a:xfrm>
+          <a:prstGeom prst="rect">
+            <a:avLst/>
+          </a:prstGeom>
+          <a:noFill/>
+        </p:spPr>
+        <p:txBody>
+          <a:bodyPr wrap="none" rtlCol="0">
+            <a:spAutoFit/>
+          </a:bodyPr>
+          <a:lstStyle/>
+          <a:p>
+            <a:pPr algn="ctr"/>
+            <a:r>
+              <a:rPr lang="pt-BR" sz="1400" dirty="0" smtClean="0"/>
+              <a:t>60 </a:t>
+            </a:r>
+            <a:r>
+              <a:rPr lang="pt-BR" sz="1400" i="1" dirty="0" err="1" smtClean="0"/>
+              <a:t>lbf.ft</a:t>
+            </a:r>
+            <a:endParaRPr lang="pt-BR" sz="1400" dirty="0"/>
+          </a:p>
+        </p:txBody>
+      </p:sp>
+      <p:sp>
+        <p:nvSpPr>
+          <p:cNvPr id="24" name="CaixaDeTexto 23"/>
+          <p:cNvSpPr txBox="1"/>
+          <p:nvPr/>
+        </p:nvSpPr>
+        <p:spPr>
+          <a:xfrm>
+            <a:off x="2826504" y="3401539"/>
+            <a:ext cx="577402" cy="307777"/>
+          </a:xfrm>
+          <a:prstGeom prst="rect">
+            <a:avLst/>
+          </a:prstGeom>
+          <a:noFill/>
+        </p:spPr>
+        <p:txBody>
+          <a:bodyPr wrap="none" rtlCol="0">
+            <a:spAutoFit/>
+          </a:bodyPr>
+          <a:lstStyle/>
+          <a:p>
+            <a:pPr algn="ctr"/>
+            <a:r>
+              <a:rPr lang="pt-BR" sz="1400" dirty="0" smtClean="0"/>
+              <a:t>0 m</a:t>
+            </a:r>
+            <a:r>
+              <a:rPr lang="el-GR" sz="1400" dirty="0" smtClean="0"/>
+              <a:t>Ω</a:t>
+            </a:r>
+            <a:endParaRPr lang="pt-BR" sz="1400" dirty="0"/>
+          </a:p>
+        </p:txBody>
+      </p:sp>
+      <p:sp>
+        <p:nvSpPr>
+          <p:cNvPr id="25" name="CaixaDeTexto 24"/>
+          <p:cNvSpPr txBox="1"/>
+          <p:nvPr/>
+        </p:nvSpPr>
+        <p:spPr>
+          <a:xfrm>
+            <a:off x="2747155" y="2036289"/>
+            <a:ext cx="736100" cy="307777"/>
+          </a:xfrm>
+          <a:prstGeom prst="rect">
+            <a:avLst/>
+          </a:prstGeom>
+          <a:noFill/>
+        </p:spPr>
+        <p:txBody>
+          <a:bodyPr wrap="none" rtlCol="0">
+            <a:spAutoFit/>
+          </a:bodyPr>
+          <a:lstStyle/>
+          <a:p>
+            <a:pPr algn="ctr"/>
+            <a:r>
+              <a:rPr lang="pt-BR" sz="1400" dirty="0" smtClean="0"/>
+              <a:t>??? m</a:t>
+            </a:r>
+            <a:r>
+              <a:rPr lang="el-GR" sz="1400" dirty="0" smtClean="0"/>
+              <a:t>Ω</a:t>
+            </a:r>
+            <a:endParaRPr lang="pt-BR" sz="1400" dirty="0"/>
+          </a:p>
+        </p:txBody>
+      </p:sp>
+      <p:sp>
+        <p:nvSpPr>
+          <p:cNvPr id="26" name="CaixaDeTexto 25"/>
+          <p:cNvSpPr txBox="1"/>
+          <p:nvPr/>
+        </p:nvSpPr>
+        <p:spPr>
+          <a:xfrm>
+            <a:off x="4458755" y="3786486"/>
+            <a:ext cx="843501" cy="307777"/>
+          </a:xfrm>
+          <a:prstGeom prst="rect">
+            <a:avLst/>
+          </a:prstGeom>
+          <a:noFill/>
+        </p:spPr>
+        <p:txBody>
+          <a:bodyPr wrap="none" rtlCol="0">
+            <a:spAutoFit/>
+          </a:bodyPr>
+          <a:lstStyle/>
+          <a:p>
+            <a:pPr algn="ctr"/>
+            <a:r>
+              <a:rPr lang="pt-BR" sz="1400" dirty="0" smtClean="0"/>
+              <a:t>-96.4 </a:t>
+            </a:r>
+            <a:r>
+              <a:rPr lang="pt-BR" sz="1400" dirty="0" err="1" smtClean="0"/>
+              <a:t>mV</a:t>
+            </a:r>
+            <a:endParaRPr lang="pt-BR" sz="1400" dirty="0"/>
+          </a:p>
+        </p:txBody>
+      </p:sp>
+      <p:sp>
+        <p:nvSpPr>
+          <p:cNvPr id="33" name="CaixaDeTexto 32"/>
+          <p:cNvSpPr txBox="1"/>
+          <p:nvPr/>
+        </p:nvSpPr>
+        <p:spPr>
+          <a:xfrm>
+            <a:off x="4458756" y="1633836"/>
+            <a:ext cx="843501" cy="307777"/>
+          </a:xfrm>
+          <a:prstGeom prst="rect">
+            <a:avLst/>
+          </a:prstGeom>
+          <a:noFill/>
+        </p:spPr>
+        <p:txBody>
+          <a:bodyPr wrap="none" rtlCol="0">
+            <a:spAutoFit/>
+          </a:bodyPr>
+          <a:lstStyle/>
+          <a:p>
+            <a:pPr algn="ctr"/>
+            <a:r>
+              <a:rPr lang="pt-BR" sz="1400" dirty="0" smtClean="0"/>
+              <a:t>-43.6 </a:t>
+            </a:r>
+            <a:r>
+              <a:rPr lang="pt-BR" sz="1400" dirty="0" err="1" smtClean="0"/>
+              <a:t>mV</a:t>
+            </a:r>
+            <a:endParaRPr lang="pt-BR" sz="1400" dirty="0"/>
+          </a:p>
+        </p:txBody>
+      </p:sp>
+    </p:spTree>
+    <p:extLst>
+      <p:ext uri="{BB962C8B-B14F-4D97-AF65-F5344CB8AC3E}">
+        <p14:creationId xmlns:p14="http://schemas.microsoft.com/office/powerpoint/2010/main" val="2129935241"/>
       </p:ext>
     </p:extLst>
   </p:cSld>

--- a/Resources/Images/Figuras.pptx
+++ b/Resources/Images/Figuras.pptx
@@ -14,6 +14,8 @@
     <p:sldId id="262" r:id="rId8"/>
     <p:sldId id="264" r:id="rId9"/>
     <p:sldId id="263" r:id="rId10"/>
+    <p:sldId id="265" r:id="rId11"/>
+    <p:sldId id="266" r:id="rId12"/>
   </p:sldIdLst>
   <p:sldSz cx="12192000" cy="6858000"/>
   <p:notesSz cx="6858000" cy="9144000"/>
@@ -262,7 +264,7 @@
           <a:p>
             <a:fld id="{1C4A350A-2E69-4F0B-AF0D-60E80FEC2B7F}" type="datetimeFigureOut">
               <a:rPr lang="pt-BR" smtClean="0"/>
-              <a:t>29/05/2016</a:t>
+              <a:t>30/05/2016</a:t>
             </a:fld>
             <a:endParaRPr lang="pt-BR"/>
           </a:p>
@@ -432,7 +434,7 @@
           <a:p>
             <a:fld id="{1C4A350A-2E69-4F0B-AF0D-60E80FEC2B7F}" type="datetimeFigureOut">
               <a:rPr lang="pt-BR" smtClean="0"/>
-              <a:t>29/05/2016</a:t>
+              <a:t>30/05/2016</a:t>
             </a:fld>
             <a:endParaRPr lang="pt-BR"/>
           </a:p>
@@ -612,7 +614,7 @@
           <a:p>
             <a:fld id="{1C4A350A-2E69-4F0B-AF0D-60E80FEC2B7F}" type="datetimeFigureOut">
               <a:rPr lang="pt-BR" smtClean="0"/>
-              <a:t>29/05/2016</a:t>
+              <a:t>30/05/2016</a:t>
             </a:fld>
             <a:endParaRPr lang="pt-BR"/>
           </a:p>
@@ -782,7 +784,7 @@
           <a:p>
             <a:fld id="{1C4A350A-2E69-4F0B-AF0D-60E80FEC2B7F}" type="datetimeFigureOut">
               <a:rPr lang="pt-BR" smtClean="0"/>
-              <a:t>29/05/2016</a:t>
+              <a:t>30/05/2016</a:t>
             </a:fld>
             <a:endParaRPr lang="pt-BR"/>
           </a:p>
@@ -1028,7 +1030,7 @@
           <a:p>
             <a:fld id="{1C4A350A-2E69-4F0B-AF0D-60E80FEC2B7F}" type="datetimeFigureOut">
               <a:rPr lang="pt-BR" smtClean="0"/>
-              <a:t>29/05/2016</a:t>
+              <a:t>30/05/2016</a:t>
             </a:fld>
             <a:endParaRPr lang="pt-BR"/>
           </a:p>
@@ -1260,7 +1262,7 @@
           <a:p>
             <a:fld id="{1C4A350A-2E69-4F0B-AF0D-60E80FEC2B7F}" type="datetimeFigureOut">
               <a:rPr lang="pt-BR" smtClean="0"/>
-              <a:t>29/05/2016</a:t>
+              <a:t>30/05/2016</a:t>
             </a:fld>
             <a:endParaRPr lang="pt-BR"/>
           </a:p>
@@ -1627,7 +1629,7 @@
           <a:p>
             <a:fld id="{1C4A350A-2E69-4F0B-AF0D-60E80FEC2B7F}" type="datetimeFigureOut">
               <a:rPr lang="pt-BR" smtClean="0"/>
-              <a:t>29/05/2016</a:t>
+              <a:t>30/05/2016</a:t>
             </a:fld>
             <a:endParaRPr lang="pt-BR"/>
           </a:p>
@@ -1745,7 +1747,7 @@
           <a:p>
             <a:fld id="{1C4A350A-2E69-4F0B-AF0D-60E80FEC2B7F}" type="datetimeFigureOut">
               <a:rPr lang="pt-BR" smtClean="0"/>
-              <a:t>29/05/2016</a:t>
+              <a:t>30/05/2016</a:t>
             </a:fld>
             <a:endParaRPr lang="pt-BR"/>
           </a:p>
@@ -1840,7 +1842,7 @@
           <a:p>
             <a:fld id="{1C4A350A-2E69-4F0B-AF0D-60E80FEC2B7F}" type="datetimeFigureOut">
               <a:rPr lang="pt-BR" smtClean="0"/>
-              <a:t>29/05/2016</a:t>
+              <a:t>30/05/2016</a:t>
             </a:fld>
             <a:endParaRPr lang="pt-BR"/>
           </a:p>
@@ -2117,7 +2119,7 @@
           <a:p>
             <a:fld id="{1C4A350A-2E69-4F0B-AF0D-60E80FEC2B7F}" type="datetimeFigureOut">
               <a:rPr lang="pt-BR" smtClean="0"/>
-              <a:t>29/05/2016</a:t>
+              <a:t>30/05/2016</a:t>
             </a:fld>
             <a:endParaRPr lang="pt-BR"/>
           </a:p>
@@ -2370,7 +2372,7 @@
           <a:p>
             <a:fld id="{1C4A350A-2E69-4F0B-AF0D-60E80FEC2B7F}" type="datetimeFigureOut">
               <a:rPr lang="pt-BR" smtClean="0"/>
-              <a:t>29/05/2016</a:t>
+              <a:t>30/05/2016</a:t>
             </a:fld>
             <a:endParaRPr lang="pt-BR"/>
           </a:p>
@@ -2583,7 +2585,7 @@
           <a:p>
             <a:fld id="{1C4A350A-2E69-4F0B-AF0D-60E80FEC2B7F}" type="datetimeFigureOut">
               <a:rPr lang="pt-BR" smtClean="0"/>
-              <a:t>29/05/2016</a:t>
+              <a:t>30/05/2016</a:t>
             </a:fld>
             <a:endParaRPr lang="pt-BR"/>
           </a:p>
@@ -3651,6 +3653,152 @@
 </p:sld>
 </file>
 
+<file path=ppt/slides/slide10.xml><?xml version="1.0" encoding="utf-8"?>
+<p:sld xmlns:a="http://schemas.openxmlformats.org/drawingml/2006/main" xmlns:r="http://schemas.openxmlformats.org/officeDocument/2006/relationships" xmlns:p="http://schemas.openxmlformats.org/presentationml/2006/main">
+  <p:cSld>
+    <p:spTree>
+      <p:nvGrpSpPr>
+        <p:cNvPr id="1" name=""/>
+        <p:cNvGrpSpPr/>
+        <p:nvPr/>
+      </p:nvGrpSpPr>
+      <p:grpSpPr>
+        <a:xfrm>
+          <a:off x="0" y="0"/>
+          <a:ext cx="0" cy="0"/>
+          <a:chOff x="0" y="0"/>
+          <a:chExt cx="0" cy="0"/>
+        </a:xfrm>
+      </p:grpSpPr>
+      <p:pic>
+        <p:nvPicPr>
+          <p:cNvPr id="4" name="Imagem 3"/>
+          <p:cNvPicPr>
+            <a:picLocks noChangeAspect="1"/>
+          </p:cNvPicPr>
+          <p:nvPr/>
+        </p:nvPicPr>
+        <p:blipFill>
+          <a:blip r:embed="rId2"/>
+          <a:stretch>
+            <a:fillRect/>
+          </a:stretch>
+        </p:blipFill>
+        <p:spPr>
+          <a:xfrm>
+            <a:off x="758414" y="571857"/>
+            <a:ext cx="4462630" cy="2675250"/>
+          </a:xfrm>
+          <a:prstGeom prst="rect">
+            <a:avLst/>
+          </a:prstGeom>
+        </p:spPr>
+      </p:pic>
+      <p:pic>
+        <p:nvPicPr>
+          <p:cNvPr id="5" name="Imagem 4"/>
+          <p:cNvPicPr>
+            <a:picLocks noChangeAspect="1"/>
+          </p:cNvPicPr>
+          <p:nvPr/>
+        </p:nvPicPr>
+        <p:blipFill>
+          <a:blip r:embed="rId3"/>
+          <a:stretch>
+            <a:fillRect/>
+          </a:stretch>
+        </p:blipFill>
+        <p:spPr>
+          <a:xfrm>
+            <a:off x="558429" y="3733784"/>
+            <a:ext cx="5537571" cy="2079844"/>
+          </a:xfrm>
+          <a:prstGeom prst="rect">
+            <a:avLst/>
+          </a:prstGeom>
+        </p:spPr>
+      </p:pic>
+    </p:spTree>
+    <p:extLst>
+      <p:ext uri="{BB962C8B-B14F-4D97-AF65-F5344CB8AC3E}">
+        <p14:creationId xmlns:p14="http://schemas.microsoft.com/office/powerpoint/2010/main" val="4275902554"/>
+      </p:ext>
+    </p:extLst>
+  </p:cSld>
+  <p:clrMapOvr>
+    <a:masterClrMapping/>
+  </p:clrMapOvr>
+</p:sld>
+</file>
+
+<file path=ppt/slides/slide11.xml><?xml version="1.0" encoding="utf-8"?>
+<p:sld xmlns:a="http://schemas.openxmlformats.org/drawingml/2006/main" xmlns:r="http://schemas.openxmlformats.org/officeDocument/2006/relationships" xmlns:p="http://schemas.openxmlformats.org/presentationml/2006/main">
+  <p:cSld>
+    <p:spTree>
+      <p:nvGrpSpPr>
+        <p:cNvPr id="1" name=""/>
+        <p:cNvGrpSpPr/>
+        <p:nvPr/>
+      </p:nvGrpSpPr>
+      <p:grpSpPr>
+        <a:xfrm>
+          <a:off x="0" y="0"/>
+          <a:ext cx="0" cy="0"/>
+          <a:chOff x="0" y="0"/>
+          <a:chExt cx="0" cy="0"/>
+        </a:xfrm>
+      </p:grpSpPr>
+      <p:sp>
+        <p:nvSpPr>
+          <p:cNvPr id="2" name="Título 1"/>
+          <p:cNvSpPr>
+            <a:spLocks noGrp="1"/>
+          </p:cNvSpPr>
+          <p:nvPr>
+            <p:ph type="title"/>
+          </p:nvPr>
+        </p:nvSpPr>
+        <p:spPr/>
+        <p:txBody>
+          <a:bodyPr/>
+          <a:lstStyle/>
+          <a:p>
+            <a:endParaRPr lang="pt-BR"/>
+          </a:p>
+        </p:txBody>
+      </p:sp>
+      <p:sp>
+        <p:nvSpPr>
+          <p:cNvPr id="3" name="Espaço Reservado para Conteúdo 2"/>
+          <p:cNvSpPr>
+            <a:spLocks noGrp="1"/>
+          </p:cNvSpPr>
+          <p:nvPr>
+            <p:ph idx="1"/>
+          </p:nvPr>
+        </p:nvSpPr>
+        <p:spPr/>
+        <p:txBody>
+          <a:bodyPr/>
+          <a:lstStyle/>
+          <a:p>
+            <a:endParaRPr lang="pt-BR"/>
+          </a:p>
+        </p:txBody>
+      </p:sp>
+    </p:spTree>
+    <p:extLst>
+      <p:ext uri="{BB962C8B-B14F-4D97-AF65-F5344CB8AC3E}">
+        <p14:creationId xmlns:p14="http://schemas.microsoft.com/office/powerpoint/2010/main" val="1121017173"/>
+      </p:ext>
+    </p:extLst>
+  </p:cSld>
+  <p:clrMapOvr>
+    <a:masterClrMapping/>
+  </p:clrMapOvr>
+</p:sld>
+</file>
+
 <file path=ppt/slides/slide2.xml><?xml version="1.0" encoding="utf-8"?>
 <p:sld xmlns:a="http://schemas.openxmlformats.org/drawingml/2006/main" xmlns:r="http://schemas.openxmlformats.org/officeDocument/2006/relationships" xmlns:p="http://schemas.openxmlformats.org/presentationml/2006/main">
   <p:cSld>
